--- a/YOLOv1/report/YOLOv1_3.pptx
+++ b/YOLOv1/report/YOLOv1_3.pptx
@@ -5,7 +5,7 @@
     <p:sldMasterId id="2147483648" r:id="rId1"/>
   </p:sldMasterIdLst>
   <p:notesMasterIdLst>
-    <p:notesMasterId r:id="rId16"/>
+    <p:notesMasterId r:id="rId7"/>
   </p:notesMasterIdLst>
   <p:sldIdLst>
     <p:sldId id="256" r:id="rId2"/>
@@ -13,15 +13,6 @@
     <p:sldId id="397" r:id="rId4"/>
     <p:sldId id="404" r:id="rId5"/>
     <p:sldId id="408" r:id="rId6"/>
-    <p:sldId id="406" r:id="rId7"/>
-    <p:sldId id="407" r:id="rId8"/>
-    <p:sldId id="405" r:id="rId9"/>
-    <p:sldId id="403" r:id="rId10"/>
-    <p:sldId id="396" r:id="rId11"/>
-    <p:sldId id="400" r:id="rId12"/>
-    <p:sldId id="402" r:id="rId13"/>
-    <p:sldId id="401" r:id="rId14"/>
-    <p:sldId id="399" r:id="rId15"/>
   </p:sldIdLst>
   <p:sldSz cx="12192000" cy="6858000"/>
   <p:notesSz cx="6858000" cy="9144000"/>
@@ -636,282 +627,6 @@
     <p:extLst>
       <p:ext uri="{BB962C8B-B14F-4D97-AF65-F5344CB8AC3E}">
         <p14:creationId xmlns:p14="http://schemas.microsoft.com/office/powerpoint/2010/main" val="1084753083"/>
-      </p:ext>
-    </p:extLst>
-  </p:cSld>
-  <p:clrMapOvr>
-    <a:masterClrMapping/>
-  </p:clrMapOvr>
-</p:notes>
-</file>
-
-<file path=ppt/notesSlides/notesSlide3.xml><?xml version="1.0" encoding="utf-8"?>
-<p:notes xmlns:a="http://schemas.openxmlformats.org/drawingml/2006/main" xmlns:r="http://schemas.openxmlformats.org/officeDocument/2006/relationships" xmlns:p="http://schemas.openxmlformats.org/presentationml/2006/main">
-  <p:cSld>
-    <p:spTree>
-      <p:nvGrpSpPr>
-        <p:cNvPr id="1" name="">
-          <a:extLst>
-            <a:ext uri="{FF2B5EF4-FFF2-40B4-BE49-F238E27FC236}">
-              <a16:creationId xmlns:a16="http://schemas.microsoft.com/office/drawing/2014/main" id="{1F40737A-1C9A-555F-8B1A-A282FDBED2A4}"/>
-            </a:ext>
-          </a:extLst>
-        </p:cNvPr>
-        <p:cNvGrpSpPr/>
-        <p:nvPr/>
-      </p:nvGrpSpPr>
-      <p:grpSpPr>
-        <a:xfrm>
-          <a:off x="0" y="0"/>
-          <a:ext cx="0" cy="0"/>
-          <a:chOff x="0" y="0"/>
-          <a:chExt cx="0" cy="0"/>
-        </a:xfrm>
-      </p:grpSpPr>
-      <p:sp>
-        <p:nvSpPr>
-          <p:cNvPr id="2" name="슬라이드 이미지 개체 틀 1">
-            <a:extLst>
-              <a:ext uri="{FF2B5EF4-FFF2-40B4-BE49-F238E27FC236}">
-                <a16:creationId xmlns:a16="http://schemas.microsoft.com/office/drawing/2014/main" id="{B52B9E36-B976-B3DA-A2D1-6DC838FC4038}"/>
-              </a:ext>
-            </a:extLst>
-          </p:cNvPr>
-          <p:cNvSpPr>
-            <a:spLocks noGrp="1" noRot="1" noChangeAspect="1"/>
-          </p:cNvSpPr>
-          <p:nvPr>
-            <p:ph type="sldImg"/>
-          </p:nvPr>
-        </p:nvSpPr>
-        <p:spPr/>
-      </p:sp>
-      <p:sp>
-        <p:nvSpPr>
-          <p:cNvPr id="3" name="슬라이드 노트 개체 틀 2">
-            <a:extLst>
-              <a:ext uri="{FF2B5EF4-FFF2-40B4-BE49-F238E27FC236}">
-                <a16:creationId xmlns:a16="http://schemas.microsoft.com/office/drawing/2014/main" id="{7C556FD2-7F09-4E7B-FC94-895BE0C157F6}"/>
-              </a:ext>
-            </a:extLst>
-          </p:cNvPr>
-          <p:cNvSpPr>
-            <a:spLocks noGrp="1"/>
-          </p:cNvSpPr>
-          <p:nvPr>
-            <p:ph type="body" idx="1"/>
-          </p:nvPr>
-        </p:nvSpPr>
-        <p:spPr/>
-        <p:txBody>
-          <a:bodyPr/>
-          <a:lstStyle/>
-          <a:p>
-            <a:endParaRPr lang="ko-KR" altLang="en-US"/>
-          </a:p>
-        </p:txBody>
-      </p:sp>
-      <p:sp>
-        <p:nvSpPr>
-          <p:cNvPr id="4" name="슬라이드 번호 개체 틀 3">
-            <a:extLst>
-              <a:ext uri="{FF2B5EF4-FFF2-40B4-BE49-F238E27FC236}">
-                <a16:creationId xmlns:a16="http://schemas.microsoft.com/office/drawing/2014/main" id="{30C602CC-C89F-A071-88D5-EE2B00549AB0}"/>
-              </a:ext>
-            </a:extLst>
-          </p:cNvPr>
-          <p:cNvSpPr>
-            <a:spLocks noGrp="1"/>
-          </p:cNvSpPr>
-          <p:nvPr>
-            <p:ph type="sldNum" sz="quarter" idx="5"/>
-          </p:nvPr>
-        </p:nvSpPr>
-        <p:spPr/>
-        <p:txBody>
-          <a:bodyPr/>
-          <a:lstStyle/>
-          <a:p>
-            <a:fld id="{9DD505CA-08AA-4CF8-A0B2-69FFBEE06675}" type="slidenum">
-              <a:rPr lang="ko-KR" altLang="en-US" smtClean="0"/>
-              <a:t>9</a:t>
-            </a:fld>
-            <a:endParaRPr lang="ko-KR" altLang="en-US"/>
-          </a:p>
-        </p:txBody>
-      </p:sp>
-    </p:spTree>
-    <p:extLst>
-      <p:ext uri="{BB962C8B-B14F-4D97-AF65-F5344CB8AC3E}">
-        <p14:creationId xmlns:p14="http://schemas.microsoft.com/office/powerpoint/2010/main" val="2757911456"/>
-      </p:ext>
-    </p:extLst>
-  </p:cSld>
-  <p:clrMapOvr>
-    <a:masterClrMapping/>
-  </p:clrMapOvr>
-</p:notes>
-</file>
-
-<file path=ppt/notesSlides/notesSlide4.xml><?xml version="1.0" encoding="utf-8"?>
-<p:notes xmlns:a="http://schemas.openxmlformats.org/drawingml/2006/main" xmlns:r="http://schemas.openxmlformats.org/officeDocument/2006/relationships" xmlns:p="http://schemas.openxmlformats.org/presentationml/2006/main">
-  <p:cSld>
-    <p:spTree>
-      <p:nvGrpSpPr>
-        <p:cNvPr id="1" name=""/>
-        <p:cNvGrpSpPr/>
-        <p:nvPr/>
-      </p:nvGrpSpPr>
-      <p:grpSpPr>
-        <a:xfrm>
-          <a:off x="0" y="0"/>
-          <a:ext cx="0" cy="0"/>
-          <a:chOff x="0" y="0"/>
-          <a:chExt cx="0" cy="0"/>
-        </a:xfrm>
-      </p:grpSpPr>
-      <p:sp>
-        <p:nvSpPr>
-          <p:cNvPr id="2" name="슬라이드 이미지 개체 틀 1"/>
-          <p:cNvSpPr>
-            <a:spLocks noGrp="1" noRot="1" noChangeAspect="1"/>
-          </p:cNvSpPr>
-          <p:nvPr>
-            <p:ph type="sldImg"/>
-          </p:nvPr>
-        </p:nvSpPr>
-        <p:spPr/>
-      </p:sp>
-      <p:sp>
-        <p:nvSpPr>
-          <p:cNvPr id="3" name="슬라이드 노트 개체 틀 2"/>
-          <p:cNvSpPr>
-            <a:spLocks noGrp="1"/>
-          </p:cNvSpPr>
-          <p:nvPr>
-            <p:ph type="body" idx="1"/>
-          </p:nvPr>
-        </p:nvSpPr>
-        <p:spPr/>
-        <p:txBody>
-          <a:bodyPr/>
-          <a:lstStyle/>
-          <a:p>
-            <a:endParaRPr lang="ko-KR" altLang="en-US"/>
-          </a:p>
-        </p:txBody>
-      </p:sp>
-      <p:sp>
-        <p:nvSpPr>
-          <p:cNvPr id="4" name="슬라이드 번호 개체 틀 3"/>
-          <p:cNvSpPr>
-            <a:spLocks noGrp="1"/>
-          </p:cNvSpPr>
-          <p:nvPr>
-            <p:ph type="sldNum" sz="quarter" idx="5"/>
-          </p:nvPr>
-        </p:nvSpPr>
-        <p:spPr/>
-        <p:txBody>
-          <a:bodyPr/>
-          <a:lstStyle/>
-          <a:p>
-            <a:fld id="{9DD505CA-08AA-4CF8-A0B2-69FFBEE06675}" type="slidenum">
-              <a:rPr lang="ko-KR" altLang="en-US" smtClean="0"/>
-              <a:t>11</a:t>
-            </a:fld>
-            <a:endParaRPr lang="ko-KR" altLang="en-US"/>
-          </a:p>
-        </p:txBody>
-      </p:sp>
-    </p:spTree>
-    <p:extLst>
-      <p:ext uri="{BB962C8B-B14F-4D97-AF65-F5344CB8AC3E}">
-        <p14:creationId xmlns:p14="http://schemas.microsoft.com/office/powerpoint/2010/main" val="1213983584"/>
-      </p:ext>
-    </p:extLst>
-  </p:cSld>
-  <p:clrMapOvr>
-    <a:masterClrMapping/>
-  </p:clrMapOvr>
-</p:notes>
-</file>
-
-<file path=ppt/notesSlides/notesSlide5.xml><?xml version="1.0" encoding="utf-8"?>
-<p:notes xmlns:a="http://schemas.openxmlformats.org/drawingml/2006/main" xmlns:r="http://schemas.openxmlformats.org/officeDocument/2006/relationships" xmlns:p="http://schemas.openxmlformats.org/presentationml/2006/main">
-  <p:cSld>
-    <p:spTree>
-      <p:nvGrpSpPr>
-        <p:cNvPr id="1" name=""/>
-        <p:cNvGrpSpPr/>
-        <p:nvPr/>
-      </p:nvGrpSpPr>
-      <p:grpSpPr>
-        <a:xfrm>
-          <a:off x="0" y="0"/>
-          <a:ext cx="0" cy="0"/>
-          <a:chOff x="0" y="0"/>
-          <a:chExt cx="0" cy="0"/>
-        </a:xfrm>
-      </p:grpSpPr>
-      <p:sp>
-        <p:nvSpPr>
-          <p:cNvPr id="2" name="슬라이드 이미지 개체 틀 1"/>
-          <p:cNvSpPr>
-            <a:spLocks noGrp="1" noRot="1" noChangeAspect="1"/>
-          </p:cNvSpPr>
-          <p:nvPr>
-            <p:ph type="sldImg"/>
-          </p:nvPr>
-        </p:nvSpPr>
-        <p:spPr/>
-      </p:sp>
-      <p:sp>
-        <p:nvSpPr>
-          <p:cNvPr id="3" name="슬라이드 노트 개체 틀 2"/>
-          <p:cNvSpPr>
-            <a:spLocks noGrp="1"/>
-          </p:cNvSpPr>
-          <p:nvPr>
-            <p:ph type="body" idx="1"/>
-          </p:nvPr>
-        </p:nvSpPr>
-        <p:spPr/>
-        <p:txBody>
-          <a:bodyPr/>
-          <a:lstStyle/>
-          <a:p>
-            <a:endParaRPr lang="ko-KR" altLang="en-US"/>
-          </a:p>
-        </p:txBody>
-      </p:sp>
-      <p:sp>
-        <p:nvSpPr>
-          <p:cNvPr id="4" name="슬라이드 번호 개체 틀 3"/>
-          <p:cNvSpPr>
-            <a:spLocks noGrp="1"/>
-          </p:cNvSpPr>
-          <p:nvPr>
-            <p:ph type="sldNum" sz="quarter" idx="5"/>
-          </p:nvPr>
-        </p:nvSpPr>
-        <p:spPr/>
-        <p:txBody>
-          <a:bodyPr/>
-          <a:lstStyle/>
-          <a:p>
-            <a:fld id="{9DD505CA-08AA-4CF8-A0B2-69FFBEE06675}" type="slidenum">
-              <a:rPr lang="ko-KR" altLang="en-US" smtClean="0"/>
-              <a:t>12</a:t>
-            </a:fld>
-            <a:endParaRPr lang="ko-KR" altLang="en-US"/>
-          </a:p>
-        </p:txBody>
-      </p:sp>
-    </p:spTree>
-    <p:extLst>
-      <p:ext uri="{BB962C8B-B14F-4D97-AF65-F5344CB8AC3E}">
-        <p14:creationId xmlns:p14="http://schemas.microsoft.com/office/powerpoint/2010/main" val="592239366"/>
       </p:ext>
     </p:extLst>
   </p:cSld>
@@ -4493,1135 +4208,6 @@
 </p:sld>
 </file>
 
-<file path=ppt/slides/slide10.xml><?xml version="1.0" encoding="utf-8"?>
-<p:sld xmlns:a="http://schemas.openxmlformats.org/drawingml/2006/main" xmlns:r="http://schemas.openxmlformats.org/officeDocument/2006/relationships" xmlns:p="http://schemas.openxmlformats.org/presentationml/2006/main">
-  <p:cSld>
-    <p:spTree>
-      <p:nvGrpSpPr>
-        <p:cNvPr id="1" name=""/>
-        <p:cNvGrpSpPr/>
-        <p:nvPr/>
-      </p:nvGrpSpPr>
-      <p:grpSpPr>
-        <a:xfrm>
-          <a:off x="0" y="0"/>
-          <a:ext cx="0" cy="0"/>
-          <a:chOff x="0" y="0"/>
-          <a:chExt cx="0" cy="0"/>
-        </a:xfrm>
-      </p:grpSpPr>
-      <p:sp>
-        <p:nvSpPr>
-          <p:cNvPr id="2" name="내용 개체 틀 1">
-            <a:extLst>
-              <a:ext uri="{FF2B5EF4-FFF2-40B4-BE49-F238E27FC236}">
-                <a16:creationId xmlns:a16="http://schemas.microsoft.com/office/drawing/2014/main" id="{2686EFDE-C9D6-7019-A73E-37E9726E972B}"/>
-              </a:ext>
-            </a:extLst>
-          </p:cNvPr>
-          <p:cNvSpPr>
-            <a:spLocks noGrp="1"/>
-          </p:cNvSpPr>
-          <p:nvPr>
-            <p:ph idx="1"/>
-          </p:nvPr>
-        </p:nvSpPr>
-        <p:spPr>
-          <a:xfrm>
-            <a:off x="8527512" y="2196942"/>
-            <a:ext cx="3509818" cy="1089387"/>
-          </a:xfrm>
-        </p:spPr>
-        <p:txBody>
-          <a:bodyPr>
-            <a:normAutofit/>
-          </a:bodyPr>
-          <a:lstStyle/>
-          <a:p>
-            <a:r>
-              <a:rPr lang="en-US" altLang="ko-KR" sz="1600"/>
-              <a:t>darknet for Detection Training</a:t>
-            </a:r>
-          </a:p>
-          <a:p>
-            <a:r>
-              <a:rPr lang="en-US" altLang="ko-KR" sz="1600"/>
-              <a:t>Summary Output </a:t>
-            </a:r>
-            <a:r>
-              <a:rPr lang="ko-KR" altLang="en-US" sz="1600"/>
-              <a:t>⬇️</a:t>
-            </a:r>
-          </a:p>
-        </p:txBody>
-      </p:sp>
-      <p:sp>
-        <p:nvSpPr>
-          <p:cNvPr id="3" name="슬라이드 번호 개체 틀 2">
-            <a:extLst>
-              <a:ext uri="{FF2B5EF4-FFF2-40B4-BE49-F238E27FC236}">
-                <a16:creationId xmlns:a16="http://schemas.microsoft.com/office/drawing/2014/main" id="{B1C18664-784E-26AF-454A-791F141AFB39}"/>
-              </a:ext>
-            </a:extLst>
-          </p:cNvPr>
-          <p:cNvSpPr>
-            <a:spLocks noGrp="1"/>
-          </p:cNvSpPr>
-          <p:nvPr>
-            <p:ph type="sldNum" sz="quarter" idx="12"/>
-          </p:nvPr>
-        </p:nvSpPr>
-        <p:spPr/>
-        <p:txBody>
-          <a:bodyPr/>
-          <a:lstStyle/>
-          <a:p>
-            <a:fld id="{697E9AA7-29BF-4588-B153-0341F1751ACF}" type="slidenum">
-              <a:rPr lang="ko-KR" altLang="en-US" smtClean="0"/>
-              <a:t>10</a:t>
-            </a:fld>
-            <a:endParaRPr lang="ko-KR" altLang="en-US"/>
-          </a:p>
-        </p:txBody>
-      </p:sp>
-      <p:sp>
-        <p:nvSpPr>
-          <p:cNvPr id="4" name="제목 3">
-            <a:extLst>
-              <a:ext uri="{FF2B5EF4-FFF2-40B4-BE49-F238E27FC236}">
-                <a16:creationId xmlns:a16="http://schemas.microsoft.com/office/drawing/2014/main" id="{75AF067D-1882-F762-9F0D-82CBCC1A9D27}"/>
-              </a:ext>
-            </a:extLst>
-          </p:cNvPr>
-          <p:cNvSpPr>
-            <a:spLocks noGrp="1"/>
-          </p:cNvSpPr>
-          <p:nvPr>
-            <p:ph type="title"/>
-          </p:nvPr>
-        </p:nvSpPr>
-        <p:spPr/>
-        <p:txBody>
-          <a:bodyPr/>
-          <a:lstStyle/>
-          <a:p>
-            <a:r>
-              <a:rPr lang="en-US" altLang="ko-KR"/>
-              <a:t>Darkent model</a:t>
-            </a:r>
-            <a:endParaRPr lang="ko-KR" altLang="en-US"/>
-          </a:p>
-        </p:txBody>
-      </p:sp>
-      <p:pic>
-        <p:nvPicPr>
-          <p:cNvPr id="6" name="그림 5">
-            <a:extLst>
-              <a:ext uri="{FF2B5EF4-FFF2-40B4-BE49-F238E27FC236}">
-                <a16:creationId xmlns:a16="http://schemas.microsoft.com/office/drawing/2014/main" id="{29384EDA-6DA6-39CC-47C7-0011FEC779EF}"/>
-              </a:ext>
-            </a:extLst>
-          </p:cNvPr>
-          <p:cNvPicPr>
-            <a:picLocks noChangeAspect="1"/>
-          </p:cNvPicPr>
-          <p:nvPr/>
-        </p:nvPicPr>
-        <p:blipFill>
-          <a:blip r:embed="rId2"/>
-          <a:stretch>
-            <a:fillRect/>
-          </a:stretch>
-        </p:blipFill>
-        <p:spPr>
-          <a:xfrm>
-            <a:off x="0" y="760979"/>
-            <a:ext cx="6970968" cy="1560963"/>
-          </a:xfrm>
-          <a:prstGeom prst="rect">
-            <a:avLst/>
-          </a:prstGeom>
-        </p:spPr>
-      </p:pic>
-      <p:pic>
-        <p:nvPicPr>
-          <p:cNvPr id="8" name="그림 7">
-            <a:extLst>
-              <a:ext uri="{FF2B5EF4-FFF2-40B4-BE49-F238E27FC236}">
-                <a16:creationId xmlns:a16="http://schemas.microsoft.com/office/drawing/2014/main" id="{D9B53E4F-D610-8A12-EF62-305B1ED0738C}"/>
-              </a:ext>
-            </a:extLst>
-          </p:cNvPr>
-          <p:cNvPicPr>
-            <a:picLocks noChangeAspect="1"/>
-          </p:cNvPicPr>
-          <p:nvPr/>
-        </p:nvPicPr>
-        <p:blipFill>
-          <a:blip r:embed="rId3"/>
-          <a:stretch>
-            <a:fillRect/>
-          </a:stretch>
-        </p:blipFill>
-        <p:spPr>
-          <a:xfrm>
-            <a:off x="0" y="2361195"/>
-            <a:ext cx="5618706" cy="4263469"/>
-          </a:xfrm>
-          <a:prstGeom prst="rect">
-            <a:avLst/>
-          </a:prstGeom>
-        </p:spPr>
-      </p:pic>
-      <p:pic>
-        <p:nvPicPr>
-          <p:cNvPr id="12" name="그림 11">
-            <a:extLst>
-              <a:ext uri="{FF2B5EF4-FFF2-40B4-BE49-F238E27FC236}">
-                <a16:creationId xmlns:a16="http://schemas.microsoft.com/office/drawing/2014/main" id="{A3477D18-20EC-A38B-7638-ADD63828F740}"/>
-              </a:ext>
-            </a:extLst>
-          </p:cNvPr>
-          <p:cNvPicPr>
-            <a:picLocks noChangeAspect="1"/>
-          </p:cNvPicPr>
-          <p:nvPr/>
-        </p:nvPicPr>
-        <p:blipFill>
-          <a:blip r:embed="rId4"/>
-          <a:stretch>
-            <a:fillRect/>
-          </a:stretch>
-        </p:blipFill>
-        <p:spPr>
-          <a:xfrm>
-            <a:off x="5618706" y="4813937"/>
-            <a:ext cx="5180527" cy="2044063"/>
-          </a:xfrm>
-          <a:prstGeom prst="rect">
-            <a:avLst/>
-          </a:prstGeom>
-        </p:spPr>
-      </p:pic>
-      <p:pic>
-        <p:nvPicPr>
-          <p:cNvPr id="1026" name="Picture 2" descr="Review: YOLOv1 — You Only Look Once (Object Detection) | by Sik-Ho Tsang |  Towards Data Science">
-            <a:extLst>
-              <a:ext uri="{FF2B5EF4-FFF2-40B4-BE49-F238E27FC236}">
-                <a16:creationId xmlns:a16="http://schemas.microsoft.com/office/drawing/2014/main" id="{D612253A-51B1-923C-266A-50683BB83ECB}"/>
-              </a:ext>
-            </a:extLst>
-          </p:cNvPr>
-          <p:cNvPicPr>
-            <a:picLocks noChangeAspect="1" noChangeArrowheads="1"/>
-          </p:cNvPicPr>
-          <p:nvPr/>
-        </p:nvPicPr>
-        <p:blipFill>
-          <a:blip r:embed="rId5">
-            <a:extLst>
-              <a:ext uri="{28A0092B-C50C-407E-A947-70E740481C1C}">
-                <a14:useLocalDpi xmlns:a14="http://schemas.microsoft.com/office/drawing/2010/main" val="0"/>
-              </a:ext>
-            </a:extLst>
-          </a:blip>
-          <a:srcRect/>
-          <a:stretch>
-            <a:fillRect/>
-          </a:stretch>
-        </p:blipFill>
-        <p:spPr bwMode="auto">
-          <a:xfrm>
-            <a:off x="7175589" y="136525"/>
-            <a:ext cx="4881851" cy="2014414"/>
-          </a:xfrm>
-          <a:prstGeom prst="rect">
-            <a:avLst/>
-          </a:prstGeom>
-          <a:noFill/>
-          <a:extLst>
-            <a:ext uri="{909E8E84-426E-40DD-AFC4-6F175D3DCCD1}">
-              <a14:hiddenFill xmlns:a14="http://schemas.microsoft.com/office/drawing/2010/main">
-                <a:solidFill>
-                  <a:srgbClr val="FFFFFF"/>
-                </a:solidFill>
-              </a14:hiddenFill>
-            </a:ext>
-          </a:extLst>
-        </p:spPr>
-      </p:pic>
-      <p:pic>
-        <p:nvPicPr>
-          <p:cNvPr id="10" name="그림 9">
-            <a:extLst>
-              <a:ext uri="{FF2B5EF4-FFF2-40B4-BE49-F238E27FC236}">
-                <a16:creationId xmlns:a16="http://schemas.microsoft.com/office/drawing/2014/main" id="{3653DF83-C8C0-4490-F4B2-CD6113344DF6}"/>
-              </a:ext>
-            </a:extLst>
-          </p:cNvPr>
-          <p:cNvPicPr>
-            <a:picLocks noChangeAspect="1"/>
-          </p:cNvPicPr>
-          <p:nvPr/>
-        </p:nvPicPr>
-        <p:blipFill>
-          <a:blip r:embed="rId6"/>
-          <a:stretch>
-            <a:fillRect/>
-          </a:stretch>
-        </p:blipFill>
-        <p:spPr>
-          <a:xfrm>
-            <a:off x="5618706" y="2111474"/>
-            <a:ext cx="2655694" cy="2404716"/>
-          </a:xfrm>
-          <a:prstGeom prst="rect">
-            <a:avLst/>
-          </a:prstGeom>
-        </p:spPr>
-      </p:pic>
-      <p:pic>
-        <p:nvPicPr>
-          <p:cNvPr id="14" name="그림 13">
-            <a:extLst>
-              <a:ext uri="{FF2B5EF4-FFF2-40B4-BE49-F238E27FC236}">
-                <a16:creationId xmlns:a16="http://schemas.microsoft.com/office/drawing/2014/main" id="{7F1B2704-45AC-2B40-8CB0-15B03A805EA9}"/>
-              </a:ext>
-            </a:extLst>
-          </p:cNvPr>
-          <p:cNvPicPr>
-            <a:picLocks noChangeAspect="1"/>
-          </p:cNvPicPr>
-          <p:nvPr/>
-        </p:nvPicPr>
-        <p:blipFill>
-          <a:blip r:embed="rId7"/>
-          <a:stretch>
-            <a:fillRect/>
-          </a:stretch>
-        </p:blipFill>
-        <p:spPr>
-          <a:xfrm>
-            <a:off x="8779994" y="2809662"/>
-            <a:ext cx="3277446" cy="1560963"/>
-          </a:xfrm>
-          <a:prstGeom prst="rect">
-            <a:avLst/>
-          </a:prstGeom>
-        </p:spPr>
-      </p:pic>
-    </p:spTree>
-    <p:extLst>
-      <p:ext uri="{BB962C8B-B14F-4D97-AF65-F5344CB8AC3E}">
-        <p14:creationId xmlns:p14="http://schemas.microsoft.com/office/powerpoint/2010/main" val="609115045"/>
-      </p:ext>
-    </p:extLst>
-  </p:cSld>
-  <p:clrMapOvr>
-    <a:masterClrMapping/>
-  </p:clrMapOvr>
-</p:sld>
-</file>
-
-<file path=ppt/slides/slide11.xml><?xml version="1.0" encoding="utf-8"?>
-<p:sld xmlns:a="http://schemas.openxmlformats.org/drawingml/2006/main" xmlns:r="http://schemas.openxmlformats.org/officeDocument/2006/relationships" xmlns:p="http://schemas.openxmlformats.org/presentationml/2006/main">
-  <p:cSld>
-    <p:spTree>
-      <p:nvGrpSpPr>
-        <p:cNvPr id="1" name=""/>
-        <p:cNvGrpSpPr/>
-        <p:nvPr/>
-      </p:nvGrpSpPr>
-      <p:grpSpPr>
-        <a:xfrm>
-          <a:off x="0" y="0"/>
-          <a:ext cx="0" cy="0"/>
-          <a:chOff x="0" y="0"/>
-          <a:chExt cx="0" cy="0"/>
-        </a:xfrm>
-      </p:grpSpPr>
-      <p:sp>
-        <p:nvSpPr>
-          <p:cNvPr id="3" name="슬라이드 번호 개체 틀 2">
-            <a:extLst>
-              <a:ext uri="{FF2B5EF4-FFF2-40B4-BE49-F238E27FC236}">
-                <a16:creationId xmlns:a16="http://schemas.microsoft.com/office/drawing/2014/main" id="{CC86B452-6031-FDF8-97F3-DAC6EA2ADEA2}"/>
-              </a:ext>
-            </a:extLst>
-          </p:cNvPr>
-          <p:cNvSpPr>
-            <a:spLocks noGrp="1"/>
-          </p:cNvSpPr>
-          <p:nvPr>
-            <p:ph type="sldNum" sz="quarter" idx="12"/>
-          </p:nvPr>
-        </p:nvSpPr>
-        <p:spPr/>
-        <p:txBody>
-          <a:bodyPr/>
-          <a:lstStyle/>
-          <a:p>
-            <a:fld id="{697E9AA7-29BF-4588-B153-0341F1751ACF}" type="slidenum">
-              <a:rPr lang="ko-KR" altLang="en-US" smtClean="0"/>
-              <a:t>11</a:t>
-            </a:fld>
-            <a:endParaRPr lang="ko-KR" altLang="en-US"/>
-          </a:p>
-        </p:txBody>
-      </p:sp>
-      <p:sp>
-        <p:nvSpPr>
-          <p:cNvPr id="4" name="제목 3">
-            <a:extLst>
-              <a:ext uri="{FF2B5EF4-FFF2-40B4-BE49-F238E27FC236}">
-                <a16:creationId xmlns:a16="http://schemas.microsoft.com/office/drawing/2014/main" id="{CAAECE86-23D6-F94E-ECA7-824E0586A4DF}"/>
-              </a:ext>
-            </a:extLst>
-          </p:cNvPr>
-          <p:cNvSpPr>
-            <a:spLocks noGrp="1"/>
-          </p:cNvSpPr>
-          <p:nvPr>
-            <p:ph type="title"/>
-          </p:nvPr>
-        </p:nvSpPr>
-        <p:spPr/>
-        <p:txBody>
-          <a:bodyPr/>
-          <a:lstStyle/>
-          <a:p>
-            <a:r>
-              <a:rPr lang="en-US" altLang="ko-KR"/>
-              <a:t>Loss Function</a:t>
-            </a:r>
-            <a:endParaRPr lang="ko-KR" altLang="en-US"/>
-          </a:p>
-        </p:txBody>
-      </p:sp>
-      <p:pic>
-        <p:nvPicPr>
-          <p:cNvPr id="2050" name="Picture 2" descr="YOLO v1 최종 loss">
-            <a:extLst>
-              <a:ext uri="{FF2B5EF4-FFF2-40B4-BE49-F238E27FC236}">
-                <a16:creationId xmlns:a16="http://schemas.microsoft.com/office/drawing/2014/main" id="{9AD65D01-8E07-8DE7-7741-5280EE77EFFE}"/>
-              </a:ext>
-            </a:extLst>
-          </p:cNvPr>
-          <p:cNvPicPr>
-            <a:picLocks noChangeAspect="1" noChangeArrowheads="1"/>
-          </p:cNvPicPr>
-          <p:nvPr/>
-        </p:nvPicPr>
-        <p:blipFill>
-          <a:blip r:embed="rId3">
-            <a:extLst>
-              <a:ext uri="{28A0092B-C50C-407E-A947-70E740481C1C}">
-                <a14:useLocalDpi xmlns:a14="http://schemas.microsoft.com/office/drawing/2010/main" val="0"/>
-              </a:ext>
-            </a:extLst>
-          </a:blip>
-          <a:srcRect/>
-          <a:stretch>
-            <a:fillRect/>
-          </a:stretch>
-        </p:blipFill>
-        <p:spPr bwMode="auto">
-          <a:xfrm>
-            <a:off x="511140" y="4367771"/>
-            <a:ext cx="4738255" cy="2353704"/>
-          </a:xfrm>
-          <a:prstGeom prst="rect">
-            <a:avLst/>
-          </a:prstGeom>
-          <a:noFill/>
-          <a:extLst>
-            <a:ext uri="{909E8E84-426E-40DD-AFC4-6F175D3DCCD1}">
-              <a14:hiddenFill xmlns:a14="http://schemas.microsoft.com/office/drawing/2010/main">
-                <a:solidFill>
-                  <a:srgbClr val="FFFFFF"/>
-                </a:solidFill>
-              </a14:hiddenFill>
-            </a:ext>
-          </a:extLst>
-        </p:spPr>
-      </p:pic>
-      <p:pic>
-        <p:nvPicPr>
-          <p:cNvPr id="5" name="그림 4">
-            <a:extLst>
-              <a:ext uri="{FF2B5EF4-FFF2-40B4-BE49-F238E27FC236}">
-                <a16:creationId xmlns:a16="http://schemas.microsoft.com/office/drawing/2014/main" id="{E3783A5A-A445-ED49-0ECF-29074F7532E2}"/>
-              </a:ext>
-            </a:extLst>
-          </p:cNvPr>
-          <p:cNvPicPr>
-            <a:picLocks noChangeAspect="1"/>
-          </p:cNvPicPr>
-          <p:nvPr/>
-        </p:nvPicPr>
-        <p:blipFill>
-          <a:blip r:embed="rId4"/>
-          <a:stretch>
-            <a:fillRect/>
-          </a:stretch>
-        </p:blipFill>
-        <p:spPr>
-          <a:xfrm>
-            <a:off x="3859466" y="565792"/>
-            <a:ext cx="8235964" cy="4694271"/>
-          </a:xfrm>
-          <a:prstGeom prst="rect">
-            <a:avLst/>
-          </a:prstGeom>
-        </p:spPr>
-      </p:pic>
-    </p:spTree>
-    <p:extLst>
-      <p:ext uri="{BB962C8B-B14F-4D97-AF65-F5344CB8AC3E}">
-        <p14:creationId xmlns:p14="http://schemas.microsoft.com/office/powerpoint/2010/main" val="2537550698"/>
-      </p:ext>
-    </p:extLst>
-  </p:cSld>
-  <p:clrMapOvr>
-    <a:masterClrMapping/>
-  </p:clrMapOvr>
-</p:sld>
-</file>
-
-<file path=ppt/slides/slide12.xml><?xml version="1.0" encoding="utf-8"?>
-<p:sld xmlns:a="http://schemas.openxmlformats.org/drawingml/2006/main" xmlns:r="http://schemas.openxmlformats.org/officeDocument/2006/relationships" xmlns:p="http://schemas.openxmlformats.org/presentationml/2006/main">
-  <p:cSld>
-    <p:spTree>
-      <p:nvGrpSpPr>
-        <p:cNvPr id="1" name=""/>
-        <p:cNvGrpSpPr/>
-        <p:nvPr/>
-      </p:nvGrpSpPr>
-      <p:grpSpPr>
-        <a:xfrm>
-          <a:off x="0" y="0"/>
-          <a:ext cx="0" cy="0"/>
-          <a:chOff x="0" y="0"/>
-          <a:chExt cx="0" cy="0"/>
-        </a:xfrm>
-      </p:grpSpPr>
-      <p:sp>
-        <p:nvSpPr>
-          <p:cNvPr id="3" name="슬라이드 번호 개체 틀 2">
-            <a:extLst>
-              <a:ext uri="{FF2B5EF4-FFF2-40B4-BE49-F238E27FC236}">
-                <a16:creationId xmlns:a16="http://schemas.microsoft.com/office/drawing/2014/main" id="{CC86B452-6031-FDF8-97F3-DAC6EA2ADEA2}"/>
-              </a:ext>
-            </a:extLst>
-          </p:cNvPr>
-          <p:cNvSpPr>
-            <a:spLocks noGrp="1"/>
-          </p:cNvSpPr>
-          <p:nvPr>
-            <p:ph type="sldNum" sz="quarter" idx="12"/>
-          </p:nvPr>
-        </p:nvSpPr>
-        <p:spPr/>
-        <p:txBody>
-          <a:bodyPr/>
-          <a:lstStyle/>
-          <a:p>
-            <a:fld id="{697E9AA7-29BF-4588-B153-0341F1751ACF}" type="slidenum">
-              <a:rPr lang="ko-KR" altLang="en-US" smtClean="0"/>
-              <a:t>12</a:t>
-            </a:fld>
-            <a:endParaRPr lang="ko-KR" altLang="en-US"/>
-          </a:p>
-        </p:txBody>
-      </p:sp>
-      <p:sp>
-        <p:nvSpPr>
-          <p:cNvPr id="4" name="제목 3">
-            <a:extLst>
-              <a:ext uri="{FF2B5EF4-FFF2-40B4-BE49-F238E27FC236}">
-                <a16:creationId xmlns:a16="http://schemas.microsoft.com/office/drawing/2014/main" id="{CAAECE86-23D6-F94E-ECA7-824E0586A4DF}"/>
-              </a:ext>
-            </a:extLst>
-          </p:cNvPr>
-          <p:cNvSpPr>
-            <a:spLocks noGrp="1"/>
-          </p:cNvSpPr>
-          <p:nvPr>
-            <p:ph type="title"/>
-          </p:nvPr>
-        </p:nvSpPr>
-        <p:spPr/>
-        <p:txBody>
-          <a:bodyPr/>
-          <a:lstStyle/>
-          <a:p>
-            <a:r>
-              <a:rPr lang="en-US" altLang="ko-KR"/>
-              <a:t>Loss Function</a:t>
-            </a:r>
-            <a:endParaRPr lang="ko-KR" altLang="en-US"/>
-          </a:p>
-        </p:txBody>
-      </p:sp>
-      <p:pic>
-        <p:nvPicPr>
-          <p:cNvPr id="2050" name="Picture 2" descr="YOLO v1 최종 loss">
-            <a:extLst>
-              <a:ext uri="{FF2B5EF4-FFF2-40B4-BE49-F238E27FC236}">
-                <a16:creationId xmlns:a16="http://schemas.microsoft.com/office/drawing/2014/main" id="{9AD65D01-8E07-8DE7-7741-5280EE77EFFE}"/>
-              </a:ext>
-            </a:extLst>
-          </p:cNvPr>
-          <p:cNvPicPr>
-            <a:picLocks noChangeAspect="1" noChangeArrowheads="1"/>
-          </p:cNvPicPr>
-          <p:nvPr/>
-        </p:nvPicPr>
-        <p:blipFill>
-          <a:blip r:embed="rId3">
-            <a:extLst>
-              <a:ext uri="{28A0092B-C50C-407E-A947-70E740481C1C}">
-                <a14:useLocalDpi xmlns:a14="http://schemas.microsoft.com/office/drawing/2010/main" val="0"/>
-              </a:ext>
-            </a:extLst>
-          </a:blip>
-          <a:srcRect/>
-          <a:stretch>
-            <a:fillRect/>
-          </a:stretch>
-        </p:blipFill>
-        <p:spPr bwMode="auto">
-          <a:xfrm>
-            <a:off x="511140" y="4367771"/>
-            <a:ext cx="4738255" cy="2353704"/>
-          </a:xfrm>
-          <a:prstGeom prst="rect">
-            <a:avLst/>
-          </a:prstGeom>
-          <a:noFill/>
-          <a:extLst>
-            <a:ext uri="{909E8E84-426E-40DD-AFC4-6F175D3DCCD1}">
-              <a14:hiddenFill xmlns:a14="http://schemas.microsoft.com/office/drawing/2010/main">
-                <a:solidFill>
-                  <a:srgbClr val="FFFFFF"/>
-                </a:solidFill>
-              </a14:hiddenFill>
-            </a:ext>
-          </a:extLst>
-        </p:spPr>
-      </p:pic>
-      <p:pic>
-        <p:nvPicPr>
-          <p:cNvPr id="6" name="그림 5">
-            <a:extLst>
-              <a:ext uri="{FF2B5EF4-FFF2-40B4-BE49-F238E27FC236}">
-                <a16:creationId xmlns:a16="http://schemas.microsoft.com/office/drawing/2014/main" id="{2EF40FF3-80BC-FC45-DD95-EE1619B84076}"/>
-              </a:ext>
-            </a:extLst>
-          </p:cNvPr>
-          <p:cNvPicPr>
-            <a:picLocks noChangeAspect="1"/>
-          </p:cNvPicPr>
-          <p:nvPr/>
-        </p:nvPicPr>
-        <p:blipFill>
-          <a:blip r:embed="rId4"/>
-          <a:srcRect l="6211" r="8056" b="60201"/>
-          <a:stretch/>
-        </p:blipFill>
-        <p:spPr>
-          <a:xfrm>
-            <a:off x="3739081" y="1864704"/>
-            <a:ext cx="6174463" cy="1319400"/>
-          </a:xfrm>
-          <a:prstGeom prst="rect">
-            <a:avLst/>
-          </a:prstGeom>
-        </p:spPr>
-      </p:pic>
-      <p:pic>
-        <p:nvPicPr>
-          <p:cNvPr id="7" name="그림 6">
-            <a:extLst>
-              <a:ext uri="{FF2B5EF4-FFF2-40B4-BE49-F238E27FC236}">
-                <a16:creationId xmlns:a16="http://schemas.microsoft.com/office/drawing/2014/main" id="{3E5721BB-AABE-39A2-1ACC-8B9C0403E11C}"/>
-              </a:ext>
-            </a:extLst>
-          </p:cNvPr>
-          <p:cNvPicPr>
-            <a:picLocks noChangeAspect="1"/>
-          </p:cNvPicPr>
-          <p:nvPr/>
-        </p:nvPicPr>
-        <p:blipFill>
-          <a:blip r:embed="rId4"/>
-          <a:srcRect l="5960" t="40509"/>
-          <a:stretch/>
-        </p:blipFill>
-        <p:spPr>
-          <a:xfrm>
-            <a:off x="5378512" y="4665378"/>
-            <a:ext cx="5975288" cy="1740020"/>
-          </a:xfrm>
-          <a:prstGeom prst="rect">
-            <a:avLst/>
-          </a:prstGeom>
-        </p:spPr>
-      </p:pic>
-    </p:spTree>
-    <p:extLst>
-      <p:ext uri="{BB962C8B-B14F-4D97-AF65-F5344CB8AC3E}">
-        <p14:creationId xmlns:p14="http://schemas.microsoft.com/office/powerpoint/2010/main" val="2133413620"/>
-      </p:ext>
-    </p:extLst>
-  </p:cSld>
-  <p:clrMapOvr>
-    <a:masterClrMapping/>
-  </p:clrMapOvr>
-</p:sld>
-</file>
-
-<file path=ppt/slides/slide13.xml><?xml version="1.0" encoding="utf-8"?>
-<p:sld xmlns:a="http://schemas.openxmlformats.org/drawingml/2006/main" xmlns:r="http://schemas.openxmlformats.org/officeDocument/2006/relationships" xmlns:p="http://schemas.openxmlformats.org/presentationml/2006/main">
-  <p:cSld>
-    <p:spTree>
-      <p:nvGrpSpPr>
-        <p:cNvPr id="1" name=""/>
-        <p:cNvGrpSpPr/>
-        <p:nvPr/>
-      </p:nvGrpSpPr>
-      <p:grpSpPr>
-        <a:xfrm>
-          <a:off x="0" y="0"/>
-          <a:ext cx="0" cy="0"/>
-          <a:chOff x="0" y="0"/>
-          <a:chExt cx="0" cy="0"/>
-        </a:xfrm>
-      </p:grpSpPr>
-      <p:sp>
-        <p:nvSpPr>
-          <p:cNvPr id="3" name="슬라이드 번호 개체 틀 2">
-            <a:extLst>
-              <a:ext uri="{FF2B5EF4-FFF2-40B4-BE49-F238E27FC236}">
-                <a16:creationId xmlns:a16="http://schemas.microsoft.com/office/drawing/2014/main" id="{A4B86417-C0B7-0023-2505-298107ED9038}"/>
-              </a:ext>
-            </a:extLst>
-          </p:cNvPr>
-          <p:cNvSpPr>
-            <a:spLocks noGrp="1"/>
-          </p:cNvSpPr>
-          <p:nvPr>
-            <p:ph type="sldNum" sz="quarter" idx="12"/>
-          </p:nvPr>
-        </p:nvSpPr>
-        <p:spPr/>
-        <p:txBody>
-          <a:bodyPr/>
-          <a:lstStyle/>
-          <a:p>
-            <a:fld id="{697E9AA7-29BF-4588-B153-0341F1751ACF}" type="slidenum">
-              <a:rPr lang="ko-KR" altLang="en-US" smtClean="0"/>
-              <a:t>13</a:t>
-            </a:fld>
-            <a:endParaRPr lang="ko-KR" altLang="en-US"/>
-          </a:p>
-        </p:txBody>
-      </p:sp>
-      <p:sp>
-        <p:nvSpPr>
-          <p:cNvPr id="4" name="제목 3">
-            <a:extLst>
-              <a:ext uri="{FF2B5EF4-FFF2-40B4-BE49-F238E27FC236}">
-                <a16:creationId xmlns:a16="http://schemas.microsoft.com/office/drawing/2014/main" id="{51657FB8-6B4A-4C7F-E25A-F8FCF92D27F8}"/>
-              </a:ext>
-            </a:extLst>
-          </p:cNvPr>
-          <p:cNvSpPr>
-            <a:spLocks noGrp="1"/>
-          </p:cNvSpPr>
-          <p:nvPr>
-            <p:ph type="title"/>
-          </p:nvPr>
-        </p:nvSpPr>
-        <p:spPr/>
-        <p:txBody>
-          <a:bodyPr/>
-          <a:lstStyle/>
-          <a:p>
-            <a:r>
-              <a:rPr lang="en-US" altLang="ko-KR"/>
-              <a:t>Training </a:t>
-            </a:r>
-            <a:endParaRPr lang="ko-KR" altLang="en-US"/>
-          </a:p>
-        </p:txBody>
-      </p:sp>
-      <p:pic>
-        <p:nvPicPr>
-          <p:cNvPr id="6" name="그림 5">
-            <a:extLst>
-              <a:ext uri="{FF2B5EF4-FFF2-40B4-BE49-F238E27FC236}">
-                <a16:creationId xmlns:a16="http://schemas.microsoft.com/office/drawing/2014/main" id="{A463266E-717C-757A-7B98-4E186E46A066}"/>
-              </a:ext>
-            </a:extLst>
-          </p:cNvPr>
-          <p:cNvPicPr>
-            <a:picLocks noChangeAspect="1"/>
-          </p:cNvPicPr>
-          <p:nvPr/>
-        </p:nvPicPr>
-        <p:blipFill>
-          <a:blip r:embed="rId2"/>
-          <a:stretch>
-            <a:fillRect/>
-          </a:stretch>
-        </p:blipFill>
-        <p:spPr>
-          <a:xfrm>
-            <a:off x="185362" y="4228603"/>
-            <a:ext cx="5725052" cy="2088756"/>
-          </a:xfrm>
-          <a:prstGeom prst="rect">
-            <a:avLst/>
-          </a:prstGeom>
-        </p:spPr>
-      </p:pic>
-      <p:pic>
-        <p:nvPicPr>
-          <p:cNvPr id="3074" name="Picture 2" descr="YOLO v1 - Object Detection 논문 리뷰">
-            <a:extLst>
-              <a:ext uri="{FF2B5EF4-FFF2-40B4-BE49-F238E27FC236}">
-                <a16:creationId xmlns:a16="http://schemas.microsoft.com/office/drawing/2014/main" id="{FB2167D4-538B-290C-4A85-BD027D2B1A0F}"/>
-              </a:ext>
-            </a:extLst>
-          </p:cNvPr>
-          <p:cNvPicPr>
-            <a:picLocks noChangeAspect="1" noChangeArrowheads="1"/>
-          </p:cNvPicPr>
-          <p:nvPr/>
-        </p:nvPicPr>
-        <p:blipFill>
-          <a:blip r:embed="rId3">
-            <a:extLst>
-              <a:ext uri="{28A0092B-C50C-407E-A947-70E740481C1C}">
-                <a14:useLocalDpi xmlns:a14="http://schemas.microsoft.com/office/drawing/2010/main" val="0"/>
-              </a:ext>
-            </a:extLst>
-          </a:blip>
-          <a:srcRect/>
-          <a:stretch>
-            <a:fillRect/>
-          </a:stretch>
-        </p:blipFill>
-        <p:spPr bwMode="auto">
-          <a:xfrm>
-            <a:off x="185362" y="745661"/>
-            <a:ext cx="3300223" cy="3158693"/>
-          </a:xfrm>
-          <a:prstGeom prst="rect">
-            <a:avLst/>
-          </a:prstGeom>
-          <a:noFill/>
-          <a:extLst>
-            <a:ext uri="{909E8E84-426E-40DD-AFC4-6F175D3DCCD1}">
-              <a14:hiddenFill xmlns:a14="http://schemas.microsoft.com/office/drawing/2010/main">
-                <a:solidFill>
-                  <a:srgbClr val="FFFFFF"/>
-                </a:solidFill>
-              </a14:hiddenFill>
-            </a:ext>
-          </a:extLst>
-        </p:spPr>
-      </p:pic>
-      <p:pic>
-        <p:nvPicPr>
-          <p:cNvPr id="10" name="그림 9">
-            <a:extLst>
-              <a:ext uri="{FF2B5EF4-FFF2-40B4-BE49-F238E27FC236}">
-                <a16:creationId xmlns:a16="http://schemas.microsoft.com/office/drawing/2014/main" id="{8768A7BA-0BF4-6D7A-DB20-86B581C72D11}"/>
-              </a:ext>
-            </a:extLst>
-          </p:cNvPr>
-          <p:cNvPicPr>
-            <a:picLocks noChangeAspect="1"/>
-          </p:cNvPicPr>
-          <p:nvPr/>
-        </p:nvPicPr>
-        <p:blipFill>
-          <a:blip r:embed="rId4"/>
-          <a:srcRect l="1689" r="2694"/>
-          <a:stretch/>
-        </p:blipFill>
-        <p:spPr>
-          <a:xfrm>
-            <a:off x="6096000" y="2985800"/>
-            <a:ext cx="5845521" cy="3553112"/>
-          </a:xfrm>
-          <a:prstGeom prst="rect">
-            <a:avLst/>
-          </a:prstGeom>
-        </p:spPr>
-      </p:pic>
-      <p:pic>
-        <p:nvPicPr>
-          <p:cNvPr id="12" name="그림 11">
-            <a:extLst>
-              <a:ext uri="{FF2B5EF4-FFF2-40B4-BE49-F238E27FC236}">
-                <a16:creationId xmlns:a16="http://schemas.microsoft.com/office/drawing/2014/main" id="{8EEA5EEC-FB26-7E3B-FA86-4DD1F3AF89E9}"/>
-              </a:ext>
-            </a:extLst>
-          </p:cNvPr>
-          <p:cNvPicPr>
-            <a:picLocks noChangeAspect="1"/>
-          </p:cNvPicPr>
-          <p:nvPr/>
-        </p:nvPicPr>
-        <p:blipFill>
-          <a:blip r:embed="rId5"/>
-          <a:srcRect l="1147"/>
-          <a:stretch/>
-        </p:blipFill>
-        <p:spPr>
-          <a:xfrm>
-            <a:off x="5830624" y="1665838"/>
-            <a:ext cx="6110897" cy="1181557"/>
-          </a:xfrm>
-          <a:prstGeom prst="rect">
-            <a:avLst/>
-          </a:prstGeom>
-        </p:spPr>
-      </p:pic>
-    </p:spTree>
-    <p:extLst>
-      <p:ext uri="{BB962C8B-B14F-4D97-AF65-F5344CB8AC3E}">
-        <p14:creationId xmlns:p14="http://schemas.microsoft.com/office/powerpoint/2010/main" val="2948492619"/>
-      </p:ext>
-    </p:extLst>
-  </p:cSld>
-  <p:clrMapOvr>
-    <a:masterClrMapping/>
-  </p:clrMapOvr>
-</p:sld>
-</file>
-
-<file path=ppt/slides/slide14.xml><?xml version="1.0" encoding="utf-8"?>
-<p:sld xmlns:a="http://schemas.openxmlformats.org/drawingml/2006/main" xmlns:r="http://schemas.openxmlformats.org/officeDocument/2006/relationships" xmlns:p="http://schemas.openxmlformats.org/presentationml/2006/main">
-  <p:cSld>
-    <p:spTree>
-      <p:nvGrpSpPr>
-        <p:cNvPr id="1" name=""/>
-        <p:cNvGrpSpPr/>
-        <p:nvPr/>
-      </p:nvGrpSpPr>
-      <p:grpSpPr>
-        <a:xfrm>
-          <a:off x="0" y="0"/>
-          <a:ext cx="0" cy="0"/>
-          <a:chOff x="0" y="0"/>
-          <a:chExt cx="0" cy="0"/>
-        </a:xfrm>
-      </p:grpSpPr>
-      <p:sp>
-        <p:nvSpPr>
-          <p:cNvPr id="2" name="내용 개체 틀 1">
-            <a:extLst>
-              <a:ext uri="{FF2B5EF4-FFF2-40B4-BE49-F238E27FC236}">
-                <a16:creationId xmlns:a16="http://schemas.microsoft.com/office/drawing/2014/main" id="{D3BFB19E-9457-CCDB-EC65-66899B768E72}"/>
-              </a:ext>
-            </a:extLst>
-          </p:cNvPr>
-          <p:cNvSpPr>
-            <a:spLocks noGrp="1"/>
-          </p:cNvSpPr>
-          <p:nvPr>
-            <p:ph idx="1"/>
-          </p:nvPr>
-        </p:nvSpPr>
-        <p:spPr>
-          <a:xfrm>
-            <a:off x="533400" y="1151370"/>
-            <a:ext cx="10515600" cy="4351338"/>
-          </a:xfrm>
-        </p:spPr>
-        <p:txBody>
-          <a:bodyPr>
-            <a:normAutofit/>
-          </a:bodyPr>
-          <a:lstStyle/>
-          <a:p>
-            <a:r>
-              <a:rPr lang="ko-KR" altLang="en-US" sz="1600"/>
-              <a:t>데이터셋 전처리</a:t>
-            </a:r>
-            <a:endParaRPr lang="en-US" altLang="ko-KR" sz="1600"/>
-          </a:p>
-          <a:p>
-            <a:pPr lvl="1"/>
-            <a:r>
-              <a:rPr lang="ko-KR" altLang="en-US" sz="1400"/>
-              <a:t>이전 차수에서는 </a:t>
-            </a:r>
-            <a:r>
-              <a:rPr lang="en-US" altLang="ko-KR" sz="1400"/>
-              <a:t>x1,y1,x2,y2</a:t>
-            </a:r>
-            <a:r>
-              <a:rPr lang="ko-KR" altLang="en-US" sz="1400"/>
-              <a:t>로 처리했는데</a:t>
-            </a:r>
-            <a:r>
-              <a:rPr lang="en-US" altLang="ko-KR" sz="1400"/>
-              <a:t>, x,y,w,h </a:t>
-            </a:r>
-            <a:r>
-              <a:rPr lang="ko-KR" altLang="en-US" sz="1400"/>
-              <a:t>형식으로 바꿔서 새로 넣기</a:t>
-            </a:r>
-            <a:endParaRPr lang="en-US" altLang="ko-KR" sz="1400"/>
-          </a:p>
-          <a:p>
-            <a:r>
-              <a:rPr lang="ko-KR" altLang="en-US" sz="1600"/>
-              <a:t>이미지넷 학습시켜서 활용 </a:t>
-            </a:r>
-            <a:r>
-              <a:rPr lang="en-US" altLang="ko-KR" sz="1600"/>
-              <a:t>– paper val 88%</a:t>
-            </a:r>
-          </a:p>
-        </p:txBody>
-      </p:sp>
-      <p:sp>
-        <p:nvSpPr>
-          <p:cNvPr id="3" name="슬라이드 번호 개체 틀 2">
-            <a:extLst>
-              <a:ext uri="{FF2B5EF4-FFF2-40B4-BE49-F238E27FC236}">
-                <a16:creationId xmlns:a16="http://schemas.microsoft.com/office/drawing/2014/main" id="{D770E575-9576-ED8A-C76C-056801E8D450}"/>
-              </a:ext>
-            </a:extLst>
-          </p:cNvPr>
-          <p:cNvSpPr>
-            <a:spLocks noGrp="1"/>
-          </p:cNvSpPr>
-          <p:nvPr>
-            <p:ph type="sldNum" sz="quarter" idx="12"/>
-          </p:nvPr>
-        </p:nvSpPr>
-        <p:spPr/>
-        <p:txBody>
-          <a:bodyPr/>
-          <a:lstStyle/>
-          <a:p>
-            <a:fld id="{697E9AA7-29BF-4588-B153-0341F1751ACF}" type="slidenum">
-              <a:rPr lang="ko-KR" altLang="en-US" smtClean="0"/>
-              <a:t>14</a:t>
-            </a:fld>
-            <a:endParaRPr lang="ko-KR" altLang="en-US"/>
-          </a:p>
-        </p:txBody>
-      </p:sp>
-      <p:sp>
-        <p:nvSpPr>
-          <p:cNvPr id="4" name="제목 3">
-            <a:extLst>
-              <a:ext uri="{FF2B5EF4-FFF2-40B4-BE49-F238E27FC236}">
-                <a16:creationId xmlns:a16="http://schemas.microsoft.com/office/drawing/2014/main" id="{7185C46A-BCFA-AA79-3B34-BDD3283E5E83}"/>
-              </a:ext>
-            </a:extLst>
-          </p:cNvPr>
-          <p:cNvSpPr>
-            <a:spLocks noGrp="1"/>
-          </p:cNvSpPr>
-          <p:nvPr>
-            <p:ph type="title"/>
-          </p:nvPr>
-        </p:nvSpPr>
-        <p:spPr/>
-        <p:txBody>
-          <a:bodyPr/>
-          <a:lstStyle/>
-          <a:p>
-            <a:r>
-              <a:rPr lang="en-US" altLang="ko-KR"/>
-              <a:t>To Do</a:t>
-            </a:r>
-            <a:endParaRPr lang="ko-KR" altLang="en-US"/>
-          </a:p>
-        </p:txBody>
-      </p:sp>
-      <p:pic>
-        <p:nvPicPr>
-          <p:cNvPr id="8" name="그림 7">
-            <a:extLst>
-              <a:ext uri="{FF2B5EF4-FFF2-40B4-BE49-F238E27FC236}">
-                <a16:creationId xmlns:a16="http://schemas.microsoft.com/office/drawing/2014/main" id="{99421FC9-4C72-B62C-BE39-2B48F053D5FD}"/>
-              </a:ext>
-            </a:extLst>
-          </p:cNvPr>
-          <p:cNvPicPr>
-            <a:picLocks noChangeAspect="1"/>
-          </p:cNvPicPr>
-          <p:nvPr/>
-        </p:nvPicPr>
-        <p:blipFill>
-          <a:blip r:embed="rId2"/>
-          <a:stretch>
-            <a:fillRect/>
-          </a:stretch>
-        </p:blipFill>
-        <p:spPr>
-          <a:xfrm>
-            <a:off x="228600" y="2078957"/>
-            <a:ext cx="5867400" cy="4772869"/>
-          </a:xfrm>
-          <a:prstGeom prst="rect">
-            <a:avLst/>
-          </a:prstGeom>
-        </p:spPr>
-      </p:pic>
-      <p:pic>
-        <p:nvPicPr>
-          <p:cNvPr id="6" name="그림 5">
-            <a:extLst>
-              <a:ext uri="{FF2B5EF4-FFF2-40B4-BE49-F238E27FC236}">
-                <a16:creationId xmlns:a16="http://schemas.microsoft.com/office/drawing/2014/main" id="{60C95A1D-4664-5BAF-A370-58B784B56573}"/>
-              </a:ext>
-            </a:extLst>
-          </p:cNvPr>
-          <p:cNvPicPr>
-            <a:picLocks noChangeAspect="1"/>
-          </p:cNvPicPr>
-          <p:nvPr/>
-        </p:nvPicPr>
-        <p:blipFill>
-          <a:blip r:embed="rId3"/>
-          <a:stretch>
-            <a:fillRect/>
-          </a:stretch>
-        </p:blipFill>
-        <p:spPr>
-          <a:xfrm>
-            <a:off x="5791200" y="2809788"/>
-            <a:ext cx="6197457" cy="3620507"/>
-          </a:xfrm>
-          <a:prstGeom prst="rect">
-            <a:avLst/>
-          </a:prstGeom>
-        </p:spPr>
-      </p:pic>
-    </p:spTree>
-    <p:extLst>
-      <p:ext uri="{BB962C8B-B14F-4D97-AF65-F5344CB8AC3E}">
-        <p14:creationId xmlns:p14="http://schemas.microsoft.com/office/powerpoint/2010/main" val="1132510159"/>
-      </p:ext>
-    </p:extLst>
-  </p:cSld>
-  <p:clrMapOvr>
-    <a:masterClrMapping/>
-  </p:clrMapOvr>
-</p:sld>
-</file>
-
 <file path=ppt/slides/slide2.xml><?xml version="1.0" encoding="utf-8"?>
 <p:sld xmlns:a="http://schemas.openxmlformats.org/drawingml/2006/main" xmlns:r="http://schemas.openxmlformats.org/officeDocument/2006/relationships" xmlns:p="http://schemas.openxmlformats.org/presentationml/2006/main">
   <p:cSld>
@@ -5686,17 +4272,6 @@
             <a:r>
               <a:rPr lang="en-US" altLang="ko-KR"/>
               <a:t>2. Darknet Imagenet Training</a:t>
-            </a:r>
-          </a:p>
-          <a:p>
-            <a:pPr>
-              <a:lnSpc>
-                <a:spcPct val="150000"/>
-              </a:lnSpc>
-            </a:pPr>
-            <a:r>
-              <a:rPr lang="en-US" altLang="ko-KR"/>
-              <a:t>3. YOLO v1 Detection Training</a:t>
             </a:r>
           </a:p>
         </p:txBody>
@@ -8909,1519 +7484,6 @@
     <p:extLst>
       <p:ext uri="{BB962C8B-B14F-4D97-AF65-F5344CB8AC3E}">
         <p14:creationId xmlns:p14="http://schemas.microsoft.com/office/powerpoint/2010/main" val="328245459"/>
-      </p:ext>
-    </p:extLst>
-  </p:cSld>
-  <p:clrMapOvr>
-    <a:masterClrMapping/>
-  </p:clrMapOvr>
-</p:sld>
-</file>
-
-<file path=ppt/slides/slide6.xml><?xml version="1.0" encoding="utf-8"?>
-<p:sld xmlns:a="http://schemas.openxmlformats.org/drawingml/2006/main" xmlns:r="http://schemas.openxmlformats.org/officeDocument/2006/relationships" xmlns:p="http://schemas.openxmlformats.org/presentationml/2006/main">
-  <p:cSld>
-    <p:spTree>
-      <p:nvGrpSpPr>
-        <p:cNvPr id="1" name=""/>
-        <p:cNvGrpSpPr/>
-        <p:nvPr/>
-      </p:nvGrpSpPr>
-      <p:grpSpPr>
-        <a:xfrm>
-          <a:off x="0" y="0"/>
-          <a:ext cx="0" cy="0"/>
-          <a:chOff x="0" y="0"/>
-          <a:chExt cx="0" cy="0"/>
-        </a:xfrm>
-      </p:grpSpPr>
-      <p:sp>
-        <p:nvSpPr>
-          <p:cNvPr id="2" name="내용 개체 틀 1">
-            <a:extLst>
-              <a:ext uri="{FF2B5EF4-FFF2-40B4-BE49-F238E27FC236}">
-                <a16:creationId xmlns:a16="http://schemas.microsoft.com/office/drawing/2014/main" id="{866E3FB5-CAFB-4C15-4836-AB30E135EA67}"/>
-              </a:ext>
-            </a:extLst>
-          </p:cNvPr>
-          <p:cNvSpPr>
-            <a:spLocks noGrp="1"/>
-          </p:cNvSpPr>
-          <p:nvPr>
-            <p:ph idx="1"/>
-          </p:nvPr>
-        </p:nvSpPr>
-        <p:spPr/>
-        <p:txBody>
-          <a:bodyPr/>
-          <a:lstStyle/>
-          <a:p>
-            <a:endParaRPr lang="ko-KR" altLang="en-US"/>
-          </a:p>
-        </p:txBody>
-      </p:sp>
-      <p:sp>
-        <p:nvSpPr>
-          <p:cNvPr id="3" name="슬라이드 번호 개체 틀 2">
-            <a:extLst>
-              <a:ext uri="{FF2B5EF4-FFF2-40B4-BE49-F238E27FC236}">
-                <a16:creationId xmlns:a16="http://schemas.microsoft.com/office/drawing/2014/main" id="{0B8E40ED-5611-41FC-A8B7-55B1E5C04A0B}"/>
-              </a:ext>
-            </a:extLst>
-          </p:cNvPr>
-          <p:cNvSpPr>
-            <a:spLocks noGrp="1"/>
-          </p:cNvSpPr>
-          <p:nvPr>
-            <p:ph type="sldNum" sz="quarter" idx="12"/>
-          </p:nvPr>
-        </p:nvSpPr>
-        <p:spPr/>
-        <p:txBody>
-          <a:bodyPr/>
-          <a:lstStyle/>
-          <a:p>
-            <a:fld id="{697E9AA7-29BF-4588-B153-0341F1751ACF}" type="slidenum">
-              <a:rPr lang="ko-KR" altLang="en-US" smtClean="0"/>
-              <a:t>6</a:t>
-            </a:fld>
-            <a:endParaRPr lang="ko-KR" altLang="en-US"/>
-          </a:p>
-        </p:txBody>
-      </p:sp>
-      <p:sp>
-        <p:nvSpPr>
-          <p:cNvPr id="4" name="제목 3">
-            <a:extLst>
-              <a:ext uri="{FF2B5EF4-FFF2-40B4-BE49-F238E27FC236}">
-                <a16:creationId xmlns:a16="http://schemas.microsoft.com/office/drawing/2014/main" id="{A4C73995-E7F8-62A7-6D53-D68D34B279D9}"/>
-              </a:ext>
-            </a:extLst>
-          </p:cNvPr>
-          <p:cNvSpPr>
-            <a:spLocks noGrp="1"/>
-          </p:cNvSpPr>
-          <p:nvPr>
-            <p:ph type="title"/>
-          </p:nvPr>
-        </p:nvSpPr>
-        <p:spPr/>
-        <p:txBody>
-          <a:bodyPr/>
-          <a:lstStyle/>
-          <a:p>
-            <a:r>
-              <a:rPr lang="en-US" altLang="ko-KR"/>
-              <a:t>YOLO v1 Detection Training</a:t>
-            </a:r>
-            <a:endParaRPr lang="ko-KR" altLang="en-US"/>
-          </a:p>
-        </p:txBody>
-      </p:sp>
-    </p:spTree>
-    <p:extLst>
-      <p:ext uri="{BB962C8B-B14F-4D97-AF65-F5344CB8AC3E}">
-        <p14:creationId xmlns:p14="http://schemas.microsoft.com/office/powerpoint/2010/main" val="2681086243"/>
-      </p:ext>
-    </p:extLst>
-  </p:cSld>
-  <p:clrMapOvr>
-    <a:masterClrMapping/>
-  </p:clrMapOvr>
-</p:sld>
-</file>
-
-<file path=ppt/slides/slide7.xml><?xml version="1.0" encoding="utf-8"?>
-<p:sld xmlns:a="http://schemas.openxmlformats.org/drawingml/2006/main" xmlns:r="http://schemas.openxmlformats.org/officeDocument/2006/relationships" xmlns:p="http://schemas.openxmlformats.org/presentationml/2006/main">
-  <p:cSld>
-    <p:spTree>
-      <p:nvGrpSpPr>
-        <p:cNvPr id="1" name=""/>
-        <p:cNvGrpSpPr/>
-        <p:nvPr/>
-      </p:nvGrpSpPr>
-      <p:grpSpPr>
-        <a:xfrm>
-          <a:off x="0" y="0"/>
-          <a:ext cx="0" cy="0"/>
-          <a:chOff x="0" y="0"/>
-          <a:chExt cx="0" cy="0"/>
-        </a:xfrm>
-      </p:grpSpPr>
-      <p:sp>
-        <p:nvSpPr>
-          <p:cNvPr id="2" name="내용 개체 틀 1">
-            <a:extLst>
-              <a:ext uri="{FF2B5EF4-FFF2-40B4-BE49-F238E27FC236}">
-                <a16:creationId xmlns:a16="http://schemas.microsoft.com/office/drawing/2014/main" id="{2713D22A-797D-469E-AA6F-5E01D56C5D32}"/>
-              </a:ext>
-            </a:extLst>
-          </p:cNvPr>
-          <p:cNvSpPr>
-            <a:spLocks noGrp="1"/>
-          </p:cNvSpPr>
-          <p:nvPr>
-            <p:ph idx="1"/>
-          </p:nvPr>
-        </p:nvSpPr>
-        <p:spPr/>
-        <p:txBody>
-          <a:bodyPr/>
-          <a:lstStyle/>
-          <a:p>
-            <a:endParaRPr lang="ko-KR" altLang="en-US"/>
-          </a:p>
-        </p:txBody>
-      </p:sp>
-      <p:sp>
-        <p:nvSpPr>
-          <p:cNvPr id="3" name="슬라이드 번호 개체 틀 2">
-            <a:extLst>
-              <a:ext uri="{FF2B5EF4-FFF2-40B4-BE49-F238E27FC236}">
-                <a16:creationId xmlns:a16="http://schemas.microsoft.com/office/drawing/2014/main" id="{863D84E2-9814-85B9-05E5-D6DC7BDF6D14}"/>
-              </a:ext>
-            </a:extLst>
-          </p:cNvPr>
-          <p:cNvSpPr>
-            <a:spLocks noGrp="1"/>
-          </p:cNvSpPr>
-          <p:nvPr>
-            <p:ph type="sldNum" sz="quarter" idx="12"/>
-          </p:nvPr>
-        </p:nvSpPr>
-        <p:spPr/>
-        <p:txBody>
-          <a:bodyPr/>
-          <a:lstStyle/>
-          <a:p>
-            <a:fld id="{697E9AA7-29BF-4588-B153-0341F1751ACF}" type="slidenum">
-              <a:rPr lang="ko-KR" altLang="en-US" smtClean="0"/>
-              <a:t>7</a:t>
-            </a:fld>
-            <a:endParaRPr lang="ko-KR" altLang="en-US"/>
-          </a:p>
-        </p:txBody>
-      </p:sp>
-      <p:sp>
-        <p:nvSpPr>
-          <p:cNvPr id="4" name="제목 3">
-            <a:extLst>
-              <a:ext uri="{FF2B5EF4-FFF2-40B4-BE49-F238E27FC236}">
-                <a16:creationId xmlns:a16="http://schemas.microsoft.com/office/drawing/2014/main" id="{6BCF2B41-342C-FE1F-4BDA-599677D3F7DA}"/>
-              </a:ext>
-            </a:extLst>
-          </p:cNvPr>
-          <p:cNvSpPr>
-            <a:spLocks noGrp="1"/>
-          </p:cNvSpPr>
-          <p:nvPr>
-            <p:ph type="title"/>
-          </p:nvPr>
-        </p:nvSpPr>
-        <p:spPr/>
-        <p:txBody>
-          <a:bodyPr/>
-          <a:lstStyle/>
-          <a:p>
-            <a:endParaRPr lang="ko-KR" altLang="en-US"/>
-          </a:p>
-        </p:txBody>
-      </p:sp>
-    </p:spTree>
-    <p:extLst>
-      <p:ext uri="{BB962C8B-B14F-4D97-AF65-F5344CB8AC3E}">
-        <p14:creationId xmlns:p14="http://schemas.microsoft.com/office/powerpoint/2010/main" val="1590940066"/>
-      </p:ext>
-    </p:extLst>
-  </p:cSld>
-  <p:clrMapOvr>
-    <a:masterClrMapping/>
-  </p:clrMapOvr>
-</p:sld>
-</file>
-
-<file path=ppt/slides/slide8.xml><?xml version="1.0" encoding="utf-8"?>
-<p:sld xmlns:a="http://schemas.openxmlformats.org/drawingml/2006/main" xmlns:r="http://schemas.openxmlformats.org/officeDocument/2006/relationships" xmlns:p="http://schemas.openxmlformats.org/presentationml/2006/main">
-  <p:cSld>
-    <p:spTree>
-      <p:nvGrpSpPr>
-        <p:cNvPr id="1" name=""/>
-        <p:cNvGrpSpPr/>
-        <p:nvPr/>
-      </p:nvGrpSpPr>
-      <p:grpSpPr>
-        <a:xfrm>
-          <a:off x="0" y="0"/>
-          <a:ext cx="0" cy="0"/>
-          <a:chOff x="0" y="0"/>
-          <a:chExt cx="0" cy="0"/>
-        </a:xfrm>
-      </p:grpSpPr>
-      <p:sp>
-        <p:nvSpPr>
-          <p:cNvPr id="2" name="내용 개체 틀 1">
-            <a:extLst>
-              <a:ext uri="{FF2B5EF4-FFF2-40B4-BE49-F238E27FC236}">
-                <a16:creationId xmlns:a16="http://schemas.microsoft.com/office/drawing/2014/main" id="{CB013427-464B-D26D-8BEE-45670793B8EB}"/>
-              </a:ext>
-            </a:extLst>
-          </p:cNvPr>
-          <p:cNvSpPr>
-            <a:spLocks noGrp="1"/>
-          </p:cNvSpPr>
-          <p:nvPr>
-            <p:ph idx="1"/>
-          </p:nvPr>
-        </p:nvSpPr>
-        <p:spPr/>
-        <p:txBody>
-          <a:bodyPr/>
-          <a:lstStyle/>
-          <a:p>
-            <a:endParaRPr lang="ko-KR" altLang="en-US"/>
-          </a:p>
-        </p:txBody>
-      </p:sp>
-      <p:sp>
-        <p:nvSpPr>
-          <p:cNvPr id="3" name="슬라이드 번호 개체 틀 2">
-            <a:extLst>
-              <a:ext uri="{FF2B5EF4-FFF2-40B4-BE49-F238E27FC236}">
-                <a16:creationId xmlns:a16="http://schemas.microsoft.com/office/drawing/2014/main" id="{6DFBA327-33CC-4707-731A-BD62AE34B29E}"/>
-              </a:ext>
-            </a:extLst>
-          </p:cNvPr>
-          <p:cNvSpPr>
-            <a:spLocks noGrp="1"/>
-          </p:cNvSpPr>
-          <p:nvPr>
-            <p:ph type="sldNum" sz="quarter" idx="12"/>
-          </p:nvPr>
-        </p:nvSpPr>
-        <p:spPr/>
-        <p:txBody>
-          <a:bodyPr/>
-          <a:lstStyle/>
-          <a:p>
-            <a:fld id="{697E9AA7-29BF-4588-B153-0341F1751ACF}" type="slidenum">
-              <a:rPr lang="ko-KR" altLang="en-US" smtClean="0"/>
-              <a:t>8</a:t>
-            </a:fld>
-            <a:endParaRPr lang="ko-KR" altLang="en-US"/>
-          </a:p>
-        </p:txBody>
-      </p:sp>
-      <p:sp>
-        <p:nvSpPr>
-          <p:cNvPr id="4" name="제목 3">
-            <a:extLst>
-              <a:ext uri="{FF2B5EF4-FFF2-40B4-BE49-F238E27FC236}">
-                <a16:creationId xmlns:a16="http://schemas.microsoft.com/office/drawing/2014/main" id="{1D4F88AF-C01F-A181-5DA5-CC993DEB0DE4}"/>
-              </a:ext>
-            </a:extLst>
-          </p:cNvPr>
-          <p:cNvSpPr>
-            <a:spLocks noGrp="1"/>
-          </p:cNvSpPr>
-          <p:nvPr>
-            <p:ph type="title"/>
-          </p:nvPr>
-        </p:nvSpPr>
-        <p:spPr/>
-        <p:txBody>
-          <a:bodyPr/>
-          <a:lstStyle/>
-          <a:p>
-            <a:endParaRPr lang="ko-KR" altLang="en-US"/>
-          </a:p>
-        </p:txBody>
-      </p:sp>
-    </p:spTree>
-    <p:extLst>
-      <p:ext uri="{BB962C8B-B14F-4D97-AF65-F5344CB8AC3E}">
-        <p14:creationId xmlns:p14="http://schemas.microsoft.com/office/powerpoint/2010/main" val="3036637339"/>
-      </p:ext>
-    </p:extLst>
-  </p:cSld>
-  <p:clrMapOvr>
-    <a:masterClrMapping/>
-  </p:clrMapOvr>
-</p:sld>
-</file>
-
-<file path=ppt/slides/slide9.xml><?xml version="1.0" encoding="utf-8"?>
-<p:sld xmlns:a="http://schemas.openxmlformats.org/drawingml/2006/main" xmlns:r="http://schemas.openxmlformats.org/officeDocument/2006/relationships" xmlns:p="http://schemas.openxmlformats.org/presentationml/2006/main">
-  <p:cSld>
-    <p:spTree>
-      <p:nvGrpSpPr>
-        <p:cNvPr id="1" name="">
-          <a:extLst>
-            <a:ext uri="{FF2B5EF4-FFF2-40B4-BE49-F238E27FC236}">
-              <a16:creationId xmlns:a16="http://schemas.microsoft.com/office/drawing/2014/main" id="{D61A1610-9A87-6E8A-BFE2-61DCB393FE61}"/>
-            </a:ext>
-          </a:extLst>
-        </p:cNvPr>
-        <p:cNvGrpSpPr/>
-        <p:nvPr/>
-      </p:nvGrpSpPr>
-      <p:grpSpPr>
-        <a:xfrm>
-          <a:off x="0" y="0"/>
-          <a:ext cx="0" cy="0"/>
-          <a:chOff x="0" y="0"/>
-          <a:chExt cx="0" cy="0"/>
-        </a:xfrm>
-      </p:grpSpPr>
-      <p:sp>
-        <p:nvSpPr>
-          <p:cNvPr id="3" name="슬라이드 번호 개체 틀 2">
-            <a:extLst>
-              <a:ext uri="{FF2B5EF4-FFF2-40B4-BE49-F238E27FC236}">
-                <a16:creationId xmlns:a16="http://schemas.microsoft.com/office/drawing/2014/main" id="{1929F569-7731-2A21-6B52-E2EE56F99B1A}"/>
-              </a:ext>
-            </a:extLst>
-          </p:cNvPr>
-          <p:cNvSpPr>
-            <a:spLocks noGrp="1"/>
-          </p:cNvSpPr>
-          <p:nvPr>
-            <p:ph type="sldNum" sz="quarter" idx="12"/>
-          </p:nvPr>
-        </p:nvSpPr>
-        <p:spPr/>
-        <p:txBody>
-          <a:bodyPr/>
-          <a:lstStyle/>
-          <a:p>
-            <a:fld id="{697E9AA7-29BF-4588-B153-0341F1751ACF}" type="slidenum">
-              <a:rPr lang="ko-KR" altLang="en-US" smtClean="0"/>
-              <a:t>9</a:t>
-            </a:fld>
-            <a:endParaRPr lang="ko-KR" altLang="en-US"/>
-          </a:p>
-        </p:txBody>
-      </p:sp>
-      <p:sp>
-        <p:nvSpPr>
-          <p:cNvPr id="4" name="제목 3">
-            <a:extLst>
-              <a:ext uri="{FF2B5EF4-FFF2-40B4-BE49-F238E27FC236}">
-                <a16:creationId xmlns:a16="http://schemas.microsoft.com/office/drawing/2014/main" id="{C11367E4-DC42-A1FA-6177-5F039BE7718C}"/>
-              </a:ext>
-            </a:extLst>
-          </p:cNvPr>
-          <p:cNvSpPr>
-            <a:spLocks noGrp="1"/>
-          </p:cNvSpPr>
-          <p:nvPr>
-            <p:ph type="title"/>
-          </p:nvPr>
-        </p:nvSpPr>
-        <p:spPr/>
-        <p:txBody>
-          <a:bodyPr/>
-          <a:lstStyle/>
-          <a:p>
-            <a:r>
-              <a:rPr lang="en-US" altLang="ko-KR"/>
-              <a:t>Loss Function</a:t>
-            </a:r>
-            <a:endParaRPr lang="ko-KR" altLang="en-US"/>
-          </a:p>
-        </p:txBody>
-      </p:sp>
-      <p:pic>
-        <p:nvPicPr>
-          <p:cNvPr id="6" name="그림 5">
-            <a:extLst>
-              <a:ext uri="{FF2B5EF4-FFF2-40B4-BE49-F238E27FC236}">
-                <a16:creationId xmlns:a16="http://schemas.microsoft.com/office/drawing/2014/main" id="{2D315141-8010-5ECA-7473-F2F1DD4F7E70}"/>
-              </a:ext>
-            </a:extLst>
-          </p:cNvPr>
-          <p:cNvPicPr>
-            <a:picLocks noChangeAspect="1"/>
-          </p:cNvPicPr>
-          <p:nvPr/>
-        </p:nvPicPr>
-        <p:blipFill>
-          <a:blip r:embed="rId3"/>
-          <a:stretch>
-            <a:fillRect/>
-          </a:stretch>
-        </p:blipFill>
-        <p:spPr>
-          <a:xfrm>
-            <a:off x="301846" y="681037"/>
-            <a:ext cx="5156845" cy="3355716"/>
-          </a:xfrm>
-          <a:prstGeom prst="rect">
-            <a:avLst/>
-          </a:prstGeom>
-        </p:spPr>
-      </p:pic>
-      <p:pic>
-        <p:nvPicPr>
-          <p:cNvPr id="8" name="그림 7">
-            <a:extLst>
-              <a:ext uri="{FF2B5EF4-FFF2-40B4-BE49-F238E27FC236}">
-                <a16:creationId xmlns:a16="http://schemas.microsoft.com/office/drawing/2014/main" id="{A4582061-CBB9-9D2D-665A-15571284A409}"/>
-              </a:ext>
-            </a:extLst>
-          </p:cNvPr>
-          <p:cNvPicPr>
-            <a:picLocks noChangeAspect="1"/>
-          </p:cNvPicPr>
-          <p:nvPr/>
-        </p:nvPicPr>
-        <p:blipFill>
-          <a:blip r:embed="rId4"/>
-          <a:stretch>
-            <a:fillRect/>
-          </a:stretch>
-        </p:blipFill>
-        <p:spPr>
-          <a:xfrm>
-            <a:off x="5458691" y="681037"/>
-            <a:ext cx="6650361" cy="3598296"/>
-          </a:xfrm>
-          <a:prstGeom prst="rect">
-            <a:avLst/>
-          </a:prstGeom>
-        </p:spPr>
-      </p:pic>
-      <p:pic>
-        <p:nvPicPr>
-          <p:cNvPr id="2050" name="Picture 2" descr="YOLO v1 최종 loss">
-            <a:extLst>
-              <a:ext uri="{FF2B5EF4-FFF2-40B4-BE49-F238E27FC236}">
-                <a16:creationId xmlns:a16="http://schemas.microsoft.com/office/drawing/2014/main" id="{61AF255E-9334-9C68-71F6-CDB69D018285}"/>
-              </a:ext>
-            </a:extLst>
-          </p:cNvPr>
-          <p:cNvPicPr>
-            <a:picLocks noChangeAspect="1" noChangeArrowheads="1"/>
-          </p:cNvPicPr>
-          <p:nvPr/>
-        </p:nvPicPr>
-        <p:blipFill>
-          <a:blip r:embed="rId5">
-            <a:extLst>
-              <a:ext uri="{28A0092B-C50C-407E-A947-70E740481C1C}">
-                <a14:useLocalDpi xmlns:a14="http://schemas.microsoft.com/office/drawing/2010/main" val="0"/>
-              </a:ext>
-            </a:extLst>
-          </a:blip>
-          <a:srcRect/>
-          <a:stretch>
-            <a:fillRect/>
-          </a:stretch>
-        </p:blipFill>
-        <p:spPr bwMode="auto">
-          <a:xfrm>
-            <a:off x="511140" y="4367771"/>
-            <a:ext cx="4738255" cy="2353704"/>
-          </a:xfrm>
-          <a:prstGeom prst="rect">
-            <a:avLst/>
-          </a:prstGeom>
-          <a:noFill/>
-          <a:extLst>
-            <a:ext uri="{909E8E84-426E-40DD-AFC4-6F175D3DCCD1}">
-              <a14:hiddenFill xmlns:a14="http://schemas.microsoft.com/office/drawing/2010/main">
-                <a:solidFill>
-                  <a:srgbClr val="FFFFFF"/>
-                </a:solidFill>
-              </a14:hiddenFill>
-            </a:ext>
-          </a:extLst>
-        </p:spPr>
-      </p:pic>
-      <p:sp>
-        <p:nvSpPr>
-          <p:cNvPr id="9" name="직사각형 8">
-            <a:extLst>
-              <a:ext uri="{FF2B5EF4-FFF2-40B4-BE49-F238E27FC236}">
-                <a16:creationId xmlns:a16="http://schemas.microsoft.com/office/drawing/2014/main" id="{71402A24-15B8-30FB-228B-9BB081FDF019}"/>
-              </a:ext>
-            </a:extLst>
-          </p:cNvPr>
-          <p:cNvSpPr/>
-          <p:nvPr/>
-        </p:nvSpPr>
-        <p:spPr>
-          <a:xfrm>
-            <a:off x="5902036" y="1487056"/>
-            <a:ext cx="5338619" cy="141022"/>
-          </a:xfrm>
-          <a:prstGeom prst="rect">
-            <a:avLst/>
-          </a:prstGeom>
-          <a:noFill/>
-          <a:ln>
-            <a:solidFill>
-              <a:schemeClr val="accent2"/>
-            </a:solidFill>
-          </a:ln>
-        </p:spPr>
-        <p:style>
-          <a:lnRef idx="2">
-            <a:schemeClr val="accent1">
-              <a:shade val="15000"/>
-            </a:schemeClr>
-          </a:lnRef>
-          <a:fillRef idx="1">
-            <a:schemeClr val="accent1"/>
-          </a:fillRef>
-          <a:effectRef idx="0">
-            <a:schemeClr val="accent1"/>
-          </a:effectRef>
-          <a:fontRef idx="minor">
-            <a:schemeClr val="lt1"/>
-          </a:fontRef>
-        </p:style>
-        <p:txBody>
-          <a:bodyPr rtlCol="0" anchor="ctr"/>
-          <a:lstStyle/>
-          <a:p>
-            <a:pPr algn="ctr"/>
-            <a:endParaRPr lang="ko-KR" altLang="en-US"/>
-          </a:p>
-        </p:txBody>
-      </p:sp>
-      <p:sp>
-        <p:nvSpPr>
-          <p:cNvPr id="10" name="직사각형 9">
-            <a:extLst>
-              <a:ext uri="{FF2B5EF4-FFF2-40B4-BE49-F238E27FC236}">
-                <a16:creationId xmlns:a16="http://schemas.microsoft.com/office/drawing/2014/main" id="{23F8E14F-E71D-3CC6-6AF6-3BD3FBAEA057}"/>
-              </a:ext>
-            </a:extLst>
-          </p:cNvPr>
-          <p:cNvSpPr/>
-          <p:nvPr/>
-        </p:nvSpPr>
-        <p:spPr>
-          <a:xfrm>
-            <a:off x="2608118" y="4469328"/>
-            <a:ext cx="187334" cy="248462"/>
-          </a:xfrm>
-          <a:prstGeom prst="rect">
-            <a:avLst/>
-          </a:prstGeom>
-          <a:noFill/>
-          <a:ln/>
-        </p:spPr>
-        <p:style>
-          <a:lnRef idx="2">
-            <a:schemeClr val="accent2"/>
-          </a:lnRef>
-          <a:fillRef idx="1">
-            <a:schemeClr val="lt1"/>
-          </a:fillRef>
-          <a:effectRef idx="0">
-            <a:schemeClr val="accent2"/>
-          </a:effectRef>
-          <a:fontRef idx="minor">
-            <a:schemeClr val="dk1"/>
-          </a:fontRef>
-        </p:style>
-        <p:txBody>
-          <a:bodyPr rtlCol="0" anchor="ctr"/>
-          <a:lstStyle/>
-          <a:p>
-            <a:pPr algn="ctr"/>
-            <a:endParaRPr lang="ko-KR" altLang="en-US">
-              <a:solidFill>
-                <a:schemeClr val="accent2"/>
-              </a:solidFill>
-            </a:endParaRPr>
-          </a:p>
-        </p:txBody>
-      </p:sp>
-      <p:sp>
-        <p:nvSpPr>
-          <p:cNvPr id="11" name="직사각형 10">
-            <a:extLst>
-              <a:ext uri="{FF2B5EF4-FFF2-40B4-BE49-F238E27FC236}">
-                <a16:creationId xmlns:a16="http://schemas.microsoft.com/office/drawing/2014/main" id="{4413BCBA-5DFE-E0FB-1013-3AF369054278}"/>
-              </a:ext>
-            </a:extLst>
-          </p:cNvPr>
-          <p:cNvSpPr/>
-          <p:nvPr/>
-        </p:nvSpPr>
-        <p:spPr>
-          <a:xfrm>
-            <a:off x="2901047" y="4949042"/>
-            <a:ext cx="187334" cy="248462"/>
-          </a:xfrm>
-          <a:prstGeom prst="rect">
-            <a:avLst/>
-          </a:prstGeom>
-          <a:noFill/>
-          <a:ln/>
-        </p:spPr>
-        <p:style>
-          <a:lnRef idx="2">
-            <a:schemeClr val="accent2"/>
-          </a:lnRef>
-          <a:fillRef idx="1">
-            <a:schemeClr val="lt1"/>
-          </a:fillRef>
-          <a:effectRef idx="0">
-            <a:schemeClr val="accent2"/>
-          </a:effectRef>
-          <a:fontRef idx="minor">
-            <a:schemeClr val="dk1"/>
-          </a:fontRef>
-        </p:style>
-        <p:txBody>
-          <a:bodyPr rtlCol="0" anchor="ctr"/>
-          <a:lstStyle/>
-          <a:p>
-            <a:pPr algn="ctr"/>
-            <a:endParaRPr lang="ko-KR" altLang="en-US">
-              <a:solidFill>
-                <a:schemeClr val="accent2"/>
-              </a:solidFill>
-            </a:endParaRPr>
-          </a:p>
-        </p:txBody>
-      </p:sp>
-      <p:sp>
-        <p:nvSpPr>
-          <p:cNvPr id="12" name="직사각형 11">
-            <a:extLst>
-              <a:ext uri="{FF2B5EF4-FFF2-40B4-BE49-F238E27FC236}">
-                <a16:creationId xmlns:a16="http://schemas.microsoft.com/office/drawing/2014/main" id="{E14A84C2-00BB-25B8-D8D3-93F1BF7AAEFA}"/>
-              </a:ext>
-            </a:extLst>
-          </p:cNvPr>
-          <p:cNvSpPr/>
-          <p:nvPr/>
-        </p:nvSpPr>
-        <p:spPr>
-          <a:xfrm>
-            <a:off x="3458693" y="5420392"/>
-            <a:ext cx="187334" cy="242653"/>
-          </a:xfrm>
-          <a:prstGeom prst="rect">
-            <a:avLst/>
-          </a:prstGeom>
-          <a:noFill/>
-          <a:ln/>
-        </p:spPr>
-        <p:style>
-          <a:lnRef idx="2">
-            <a:schemeClr val="accent2"/>
-          </a:lnRef>
-          <a:fillRef idx="1">
-            <a:schemeClr val="lt1"/>
-          </a:fillRef>
-          <a:effectRef idx="0">
-            <a:schemeClr val="accent2"/>
-          </a:effectRef>
-          <a:fontRef idx="minor">
-            <a:schemeClr val="dk1"/>
-          </a:fontRef>
-        </p:style>
-        <p:txBody>
-          <a:bodyPr rtlCol="0" anchor="ctr"/>
-          <a:lstStyle/>
-          <a:p>
-            <a:pPr algn="ctr"/>
-            <a:endParaRPr lang="ko-KR" altLang="en-US">
-              <a:solidFill>
-                <a:schemeClr val="accent2"/>
-              </a:solidFill>
-            </a:endParaRPr>
-          </a:p>
-        </p:txBody>
-      </p:sp>
-      <p:sp>
-        <p:nvSpPr>
-          <p:cNvPr id="13" name="직사각형 12">
-            <a:extLst>
-              <a:ext uri="{FF2B5EF4-FFF2-40B4-BE49-F238E27FC236}">
-                <a16:creationId xmlns:a16="http://schemas.microsoft.com/office/drawing/2014/main" id="{34EC6AC5-8294-F980-BB9F-72BBA8EED26F}"/>
-              </a:ext>
-            </a:extLst>
-          </p:cNvPr>
-          <p:cNvSpPr/>
-          <p:nvPr/>
-        </p:nvSpPr>
-        <p:spPr>
-          <a:xfrm>
-            <a:off x="3754834" y="6356350"/>
-            <a:ext cx="187334" cy="205509"/>
-          </a:xfrm>
-          <a:prstGeom prst="rect">
-            <a:avLst/>
-          </a:prstGeom>
-          <a:noFill/>
-          <a:ln/>
-        </p:spPr>
-        <p:style>
-          <a:lnRef idx="2">
-            <a:schemeClr val="accent2"/>
-          </a:lnRef>
-          <a:fillRef idx="1">
-            <a:schemeClr val="lt1"/>
-          </a:fillRef>
-          <a:effectRef idx="0">
-            <a:schemeClr val="accent2"/>
-          </a:effectRef>
-          <a:fontRef idx="minor">
-            <a:schemeClr val="dk1"/>
-          </a:fontRef>
-        </p:style>
-        <p:txBody>
-          <a:bodyPr rtlCol="0" anchor="ctr"/>
-          <a:lstStyle/>
-          <a:p>
-            <a:pPr algn="ctr"/>
-            <a:endParaRPr lang="ko-KR" altLang="en-US">
-              <a:solidFill>
-                <a:schemeClr val="accent2"/>
-              </a:solidFill>
-            </a:endParaRPr>
-          </a:p>
-        </p:txBody>
-      </p:sp>
-      <p:sp>
-        <p:nvSpPr>
-          <p:cNvPr id="14" name="직사각형 13">
-            <a:extLst>
-              <a:ext uri="{FF2B5EF4-FFF2-40B4-BE49-F238E27FC236}">
-                <a16:creationId xmlns:a16="http://schemas.microsoft.com/office/drawing/2014/main" id="{350FDEF8-D498-D5A2-D7F8-38BF93D43EB5}"/>
-              </a:ext>
-            </a:extLst>
-          </p:cNvPr>
-          <p:cNvSpPr/>
-          <p:nvPr/>
-        </p:nvSpPr>
-        <p:spPr>
-          <a:xfrm>
-            <a:off x="3566658" y="5872736"/>
-            <a:ext cx="271245" cy="242653"/>
-          </a:xfrm>
-          <a:prstGeom prst="rect">
-            <a:avLst/>
-          </a:prstGeom>
-          <a:noFill/>
-          <a:ln/>
-        </p:spPr>
-        <p:style>
-          <a:lnRef idx="2">
-            <a:schemeClr val="accent2"/>
-          </a:lnRef>
-          <a:fillRef idx="1">
-            <a:schemeClr val="lt1"/>
-          </a:fillRef>
-          <a:effectRef idx="0">
-            <a:schemeClr val="accent2"/>
-          </a:effectRef>
-          <a:fontRef idx="minor">
-            <a:schemeClr val="dk1"/>
-          </a:fontRef>
-        </p:style>
-        <p:txBody>
-          <a:bodyPr rtlCol="0" anchor="ctr"/>
-          <a:lstStyle/>
-          <a:p>
-            <a:pPr algn="ctr"/>
-            <a:endParaRPr lang="ko-KR" altLang="en-US">
-              <a:solidFill>
-                <a:schemeClr val="accent2"/>
-              </a:solidFill>
-            </a:endParaRPr>
-          </a:p>
-        </p:txBody>
-      </p:sp>
-      <p:sp>
-        <p:nvSpPr>
-          <p:cNvPr id="15" name="TextBox 14">
-            <a:extLst>
-              <a:ext uri="{FF2B5EF4-FFF2-40B4-BE49-F238E27FC236}">
-                <a16:creationId xmlns:a16="http://schemas.microsoft.com/office/drawing/2014/main" id="{632B0ADD-FE4B-F42A-3151-4E292CFBE2BB}"/>
-              </a:ext>
-            </a:extLst>
-          </p:cNvPr>
-          <p:cNvSpPr txBox="1"/>
-          <p:nvPr/>
-        </p:nvSpPr>
-        <p:spPr>
-          <a:xfrm>
-            <a:off x="2545980" y="4279333"/>
-            <a:ext cx="193964" cy="253916"/>
-          </a:xfrm>
-          <a:prstGeom prst="rect">
-            <a:avLst/>
-          </a:prstGeom>
-          <a:noFill/>
-          <a:ln>
-            <a:noFill/>
-          </a:ln>
-        </p:spPr>
-        <p:style>
-          <a:lnRef idx="2">
-            <a:schemeClr val="accent2"/>
-          </a:lnRef>
-          <a:fillRef idx="1">
-            <a:schemeClr val="lt1"/>
-          </a:fillRef>
-          <a:effectRef idx="0">
-            <a:schemeClr val="accent2"/>
-          </a:effectRef>
-          <a:fontRef idx="minor">
-            <a:schemeClr val="dk1"/>
-          </a:fontRef>
-        </p:style>
-        <p:txBody>
-          <a:bodyPr wrap="square" rtlCol="0">
-            <a:spAutoFit/>
-          </a:bodyPr>
-          <a:lstStyle/>
-          <a:p>
-            <a:r>
-              <a:rPr lang="en-US" altLang="ko-KR" sz="1050">
-                <a:solidFill>
-                  <a:schemeClr val="accent2"/>
-                </a:solidFill>
-              </a:rPr>
-              <a:t>1</a:t>
-            </a:r>
-            <a:endParaRPr lang="ko-KR" altLang="en-US" sz="1050">
-              <a:solidFill>
-                <a:schemeClr val="accent2"/>
-              </a:solidFill>
-            </a:endParaRPr>
-          </a:p>
-        </p:txBody>
-      </p:sp>
-      <p:sp>
-        <p:nvSpPr>
-          <p:cNvPr id="16" name="TextBox 15">
-            <a:extLst>
-              <a:ext uri="{FF2B5EF4-FFF2-40B4-BE49-F238E27FC236}">
-                <a16:creationId xmlns:a16="http://schemas.microsoft.com/office/drawing/2014/main" id="{1E075E79-99AE-C3FA-BBB7-8BBBF72FA61B}"/>
-              </a:ext>
-            </a:extLst>
-          </p:cNvPr>
-          <p:cNvSpPr txBox="1"/>
-          <p:nvPr/>
-        </p:nvSpPr>
-        <p:spPr>
-          <a:xfrm>
-            <a:off x="2880267" y="4741231"/>
-            <a:ext cx="193964" cy="253916"/>
-          </a:xfrm>
-          <a:prstGeom prst="rect">
-            <a:avLst/>
-          </a:prstGeom>
-          <a:noFill/>
-          <a:ln>
-            <a:noFill/>
-          </a:ln>
-        </p:spPr>
-        <p:style>
-          <a:lnRef idx="2">
-            <a:schemeClr val="accent2"/>
-          </a:lnRef>
-          <a:fillRef idx="1">
-            <a:schemeClr val="lt1"/>
-          </a:fillRef>
-          <a:effectRef idx="0">
-            <a:schemeClr val="accent2"/>
-          </a:effectRef>
-          <a:fontRef idx="minor">
-            <a:schemeClr val="dk1"/>
-          </a:fontRef>
-        </p:style>
-        <p:txBody>
-          <a:bodyPr wrap="square" rtlCol="0">
-            <a:spAutoFit/>
-          </a:bodyPr>
-          <a:lstStyle/>
-          <a:p>
-            <a:r>
-              <a:rPr lang="en-US" altLang="ko-KR" sz="1050">
-                <a:solidFill>
-                  <a:schemeClr val="accent2"/>
-                </a:solidFill>
-              </a:rPr>
-              <a:t>1</a:t>
-            </a:r>
-            <a:endParaRPr lang="ko-KR" altLang="en-US" sz="1050">
-              <a:solidFill>
-                <a:schemeClr val="accent2"/>
-              </a:solidFill>
-            </a:endParaRPr>
-          </a:p>
-        </p:txBody>
-      </p:sp>
-      <p:sp>
-        <p:nvSpPr>
-          <p:cNvPr id="17" name="TextBox 16">
-            <a:extLst>
-              <a:ext uri="{FF2B5EF4-FFF2-40B4-BE49-F238E27FC236}">
-                <a16:creationId xmlns:a16="http://schemas.microsoft.com/office/drawing/2014/main" id="{3A3973E2-59E5-4E77-F6F2-450F80CDCA5A}"/>
-              </a:ext>
-            </a:extLst>
-          </p:cNvPr>
-          <p:cNvSpPr txBox="1"/>
-          <p:nvPr/>
-        </p:nvSpPr>
-        <p:spPr>
-          <a:xfrm>
-            <a:off x="3452063" y="5210701"/>
-            <a:ext cx="193964" cy="253916"/>
-          </a:xfrm>
-          <a:prstGeom prst="rect">
-            <a:avLst/>
-          </a:prstGeom>
-          <a:noFill/>
-          <a:ln>
-            <a:noFill/>
-          </a:ln>
-        </p:spPr>
-        <p:style>
-          <a:lnRef idx="2">
-            <a:schemeClr val="accent2"/>
-          </a:lnRef>
-          <a:fillRef idx="1">
-            <a:schemeClr val="lt1"/>
-          </a:fillRef>
-          <a:effectRef idx="0">
-            <a:schemeClr val="accent2"/>
-          </a:effectRef>
-          <a:fontRef idx="minor">
-            <a:schemeClr val="dk1"/>
-          </a:fontRef>
-        </p:style>
-        <p:txBody>
-          <a:bodyPr wrap="square" rtlCol="0">
-            <a:spAutoFit/>
-          </a:bodyPr>
-          <a:lstStyle/>
-          <a:p>
-            <a:r>
-              <a:rPr lang="en-US" altLang="ko-KR" sz="1050">
-                <a:solidFill>
-                  <a:schemeClr val="accent2"/>
-                </a:solidFill>
-              </a:rPr>
-              <a:t>1</a:t>
-            </a:r>
-            <a:endParaRPr lang="ko-KR" altLang="en-US" sz="1050">
-              <a:solidFill>
-                <a:schemeClr val="accent2"/>
-              </a:solidFill>
-            </a:endParaRPr>
-          </a:p>
-        </p:txBody>
-      </p:sp>
-      <p:sp>
-        <p:nvSpPr>
-          <p:cNvPr id="18" name="TextBox 17">
-            <a:extLst>
-              <a:ext uri="{FF2B5EF4-FFF2-40B4-BE49-F238E27FC236}">
-                <a16:creationId xmlns:a16="http://schemas.microsoft.com/office/drawing/2014/main" id="{B47A9EEF-5668-FA1E-392A-0A5BE3010490}"/>
-              </a:ext>
-            </a:extLst>
-          </p:cNvPr>
-          <p:cNvSpPr txBox="1"/>
-          <p:nvPr/>
-        </p:nvSpPr>
-        <p:spPr>
-          <a:xfrm>
-            <a:off x="3567300" y="5670153"/>
-            <a:ext cx="193964" cy="253916"/>
-          </a:xfrm>
-          <a:prstGeom prst="rect">
-            <a:avLst/>
-          </a:prstGeom>
-          <a:noFill/>
-          <a:ln>
-            <a:noFill/>
-          </a:ln>
-        </p:spPr>
-        <p:style>
-          <a:lnRef idx="2">
-            <a:schemeClr val="accent2"/>
-          </a:lnRef>
-          <a:fillRef idx="1">
-            <a:schemeClr val="lt1"/>
-          </a:fillRef>
-          <a:effectRef idx="0">
-            <a:schemeClr val="accent2"/>
-          </a:effectRef>
-          <a:fontRef idx="minor">
-            <a:schemeClr val="dk1"/>
-          </a:fontRef>
-        </p:style>
-        <p:txBody>
-          <a:bodyPr wrap="square" rtlCol="0">
-            <a:spAutoFit/>
-          </a:bodyPr>
-          <a:lstStyle/>
-          <a:p>
-            <a:r>
-              <a:rPr lang="en-US" altLang="ko-KR" sz="1050">
-                <a:solidFill>
-                  <a:schemeClr val="accent2"/>
-                </a:solidFill>
-              </a:rPr>
-              <a:t>0</a:t>
-            </a:r>
-            <a:endParaRPr lang="ko-KR" altLang="en-US" sz="1050">
-              <a:solidFill>
-                <a:schemeClr val="accent2"/>
-              </a:solidFill>
-            </a:endParaRPr>
-          </a:p>
-        </p:txBody>
-      </p:sp>
-      <p:sp>
-        <p:nvSpPr>
-          <p:cNvPr id="19" name="TextBox 18">
-            <a:extLst>
-              <a:ext uri="{FF2B5EF4-FFF2-40B4-BE49-F238E27FC236}">
-                <a16:creationId xmlns:a16="http://schemas.microsoft.com/office/drawing/2014/main" id="{97CDD5A9-CD8A-A71C-A513-4BC7C6058682}"/>
-              </a:ext>
-            </a:extLst>
-          </p:cNvPr>
-          <p:cNvSpPr txBox="1"/>
-          <p:nvPr/>
-        </p:nvSpPr>
-        <p:spPr>
-          <a:xfrm>
-            <a:off x="3740921" y="6164516"/>
-            <a:ext cx="193964" cy="253916"/>
-          </a:xfrm>
-          <a:prstGeom prst="rect">
-            <a:avLst/>
-          </a:prstGeom>
-          <a:noFill/>
-          <a:ln>
-            <a:noFill/>
-          </a:ln>
-        </p:spPr>
-        <p:style>
-          <a:lnRef idx="2">
-            <a:schemeClr val="accent2"/>
-          </a:lnRef>
-          <a:fillRef idx="1">
-            <a:schemeClr val="lt1"/>
-          </a:fillRef>
-          <a:effectRef idx="0">
-            <a:schemeClr val="accent2"/>
-          </a:effectRef>
-          <a:fontRef idx="minor">
-            <a:schemeClr val="dk1"/>
-          </a:fontRef>
-        </p:style>
-        <p:txBody>
-          <a:bodyPr wrap="square" rtlCol="0">
-            <a:spAutoFit/>
-          </a:bodyPr>
-          <a:lstStyle/>
-          <a:p>
-            <a:r>
-              <a:rPr lang="en-US" altLang="ko-KR" sz="1050">
-                <a:solidFill>
-                  <a:schemeClr val="accent2"/>
-                </a:solidFill>
-              </a:rPr>
-              <a:t>1</a:t>
-            </a:r>
-            <a:endParaRPr lang="ko-KR" altLang="en-US" sz="1050">
-              <a:solidFill>
-                <a:schemeClr val="accent2"/>
-              </a:solidFill>
-            </a:endParaRPr>
-          </a:p>
-        </p:txBody>
-      </p:sp>
-      <p:pic>
-        <p:nvPicPr>
-          <p:cNvPr id="21" name="그림 20">
-            <a:extLst>
-              <a:ext uri="{FF2B5EF4-FFF2-40B4-BE49-F238E27FC236}">
-                <a16:creationId xmlns:a16="http://schemas.microsoft.com/office/drawing/2014/main" id="{C89BF60D-A60D-355A-AB5B-CC91F67ACAE0}"/>
-              </a:ext>
-            </a:extLst>
-          </p:cNvPr>
-          <p:cNvPicPr>
-            <a:picLocks noChangeAspect="1"/>
-          </p:cNvPicPr>
-          <p:nvPr/>
-        </p:nvPicPr>
-        <p:blipFill>
-          <a:blip r:embed="rId6"/>
-          <a:stretch>
-            <a:fillRect/>
-          </a:stretch>
-        </p:blipFill>
-        <p:spPr>
-          <a:xfrm>
-            <a:off x="5468446" y="4279333"/>
-            <a:ext cx="5672933" cy="1756441"/>
-          </a:xfrm>
-          <a:prstGeom prst="rect">
-            <a:avLst/>
-          </a:prstGeom>
-        </p:spPr>
-      </p:pic>
-      <p:sp>
-        <p:nvSpPr>
-          <p:cNvPr id="22" name="직사각형 21">
-            <a:extLst>
-              <a:ext uri="{FF2B5EF4-FFF2-40B4-BE49-F238E27FC236}">
-                <a16:creationId xmlns:a16="http://schemas.microsoft.com/office/drawing/2014/main" id="{7C8843DD-DFE2-2333-BBCD-887F2C98EF00}"/>
-              </a:ext>
-            </a:extLst>
-          </p:cNvPr>
-          <p:cNvSpPr/>
-          <p:nvPr/>
-        </p:nvSpPr>
-        <p:spPr>
-          <a:xfrm>
-            <a:off x="5687498" y="1795130"/>
-            <a:ext cx="5338619" cy="4128939"/>
-          </a:xfrm>
-          <a:prstGeom prst="rect">
-            <a:avLst/>
-          </a:prstGeom>
-          <a:noFill/>
-          <a:ln>
-            <a:solidFill>
-              <a:srgbClr val="FF0000"/>
-            </a:solidFill>
-          </a:ln>
-        </p:spPr>
-        <p:style>
-          <a:lnRef idx="2">
-            <a:schemeClr val="accent1">
-              <a:shade val="15000"/>
-            </a:schemeClr>
-          </a:lnRef>
-          <a:fillRef idx="1">
-            <a:schemeClr val="accent1"/>
-          </a:fillRef>
-          <a:effectRef idx="0">
-            <a:schemeClr val="accent1"/>
-          </a:effectRef>
-          <a:fontRef idx="minor">
-            <a:schemeClr val="lt1"/>
-          </a:fontRef>
-        </p:style>
-        <p:txBody>
-          <a:bodyPr rtlCol="0" anchor="ctr"/>
-          <a:lstStyle/>
-          <a:p>
-            <a:pPr algn="ctr"/>
-            <a:endParaRPr lang="ko-KR" altLang="en-US"/>
-          </a:p>
-        </p:txBody>
-      </p:sp>
-      <p:graphicFrame>
-        <p:nvGraphicFramePr>
-          <p:cNvPr id="23" name="표 22">
-            <a:extLst>
-              <a:ext uri="{FF2B5EF4-FFF2-40B4-BE49-F238E27FC236}">
-                <a16:creationId xmlns:a16="http://schemas.microsoft.com/office/drawing/2014/main" id="{3BC7F62D-D4AE-F5F8-2629-A2EE30DCD5F3}"/>
-              </a:ext>
-            </a:extLst>
-          </p:cNvPr>
-          <p:cNvGraphicFramePr>
-            <a:graphicFrameLocks noGrp="1"/>
-          </p:cNvGraphicFramePr>
-          <p:nvPr/>
-        </p:nvGraphicFramePr>
-        <p:xfrm>
-          <a:off x="5661487" y="6306704"/>
-          <a:ext cx="4923620" cy="304800"/>
-        </p:xfrm>
-        <a:graphic>
-          <a:graphicData uri="http://schemas.openxmlformats.org/drawingml/2006/table">
-            <a:tbl>
-              <a:tblPr bandCol="1">
-                <a:tableStyleId>{5C22544A-7EE6-4342-B048-85BDC9FD1C3A}</a:tableStyleId>
-              </a:tblPr>
-              <a:tblGrid>
-                <a:gridCol w="492362">
-                  <a:extLst>
-                    <a:ext uri="{9D8B030D-6E8A-4147-A177-3AD203B41FA5}">
-                      <a16:colId xmlns:a16="http://schemas.microsoft.com/office/drawing/2014/main" val="2094727612"/>
-                    </a:ext>
-                  </a:extLst>
-                </a:gridCol>
-                <a:gridCol w="492362">
-                  <a:extLst>
-                    <a:ext uri="{9D8B030D-6E8A-4147-A177-3AD203B41FA5}">
-                      <a16:colId xmlns:a16="http://schemas.microsoft.com/office/drawing/2014/main" val="61835763"/>
-                    </a:ext>
-                  </a:extLst>
-                </a:gridCol>
-                <a:gridCol w="492362">
-                  <a:extLst>
-                    <a:ext uri="{9D8B030D-6E8A-4147-A177-3AD203B41FA5}">
-                      <a16:colId xmlns:a16="http://schemas.microsoft.com/office/drawing/2014/main" val="3106694822"/>
-                    </a:ext>
-                  </a:extLst>
-                </a:gridCol>
-                <a:gridCol w="492362">
-                  <a:extLst>
-                    <a:ext uri="{9D8B030D-6E8A-4147-A177-3AD203B41FA5}">
-                      <a16:colId xmlns:a16="http://schemas.microsoft.com/office/drawing/2014/main" val="1452295417"/>
-                    </a:ext>
-                  </a:extLst>
-                </a:gridCol>
-                <a:gridCol w="492362">
-                  <a:extLst>
-                    <a:ext uri="{9D8B030D-6E8A-4147-A177-3AD203B41FA5}">
-                      <a16:colId xmlns:a16="http://schemas.microsoft.com/office/drawing/2014/main" val="3807551558"/>
-                    </a:ext>
-                  </a:extLst>
-                </a:gridCol>
-                <a:gridCol w="492362">
-                  <a:extLst>
-                    <a:ext uri="{9D8B030D-6E8A-4147-A177-3AD203B41FA5}">
-                      <a16:colId xmlns:a16="http://schemas.microsoft.com/office/drawing/2014/main" val="2796054257"/>
-                    </a:ext>
-                  </a:extLst>
-                </a:gridCol>
-                <a:gridCol w="492362">
-                  <a:extLst>
-                    <a:ext uri="{9D8B030D-6E8A-4147-A177-3AD203B41FA5}">
-                      <a16:colId xmlns:a16="http://schemas.microsoft.com/office/drawing/2014/main" val="3064365074"/>
-                    </a:ext>
-                  </a:extLst>
-                </a:gridCol>
-                <a:gridCol w="492362">
-                  <a:extLst>
-                    <a:ext uri="{9D8B030D-6E8A-4147-A177-3AD203B41FA5}">
-                      <a16:colId xmlns:a16="http://schemas.microsoft.com/office/drawing/2014/main" val="454781810"/>
-                    </a:ext>
-                  </a:extLst>
-                </a:gridCol>
-                <a:gridCol w="492362">
-                  <a:extLst>
-                    <a:ext uri="{9D8B030D-6E8A-4147-A177-3AD203B41FA5}">
-                      <a16:colId xmlns:a16="http://schemas.microsoft.com/office/drawing/2014/main" val="4224788008"/>
-                    </a:ext>
-                  </a:extLst>
-                </a:gridCol>
-                <a:gridCol w="492362">
-                  <a:extLst>
-                    <a:ext uri="{9D8B030D-6E8A-4147-A177-3AD203B41FA5}">
-                      <a16:colId xmlns:a16="http://schemas.microsoft.com/office/drawing/2014/main" val="2227974805"/>
-                    </a:ext>
-                  </a:extLst>
-                </a:gridCol>
-              </a:tblGrid>
-              <a:tr h="0">
-                <a:tc>
-                  <a:txBody>
-                    <a:bodyPr/>
-                    <a:lstStyle/>
-                    <a:p>
-                      <a:pPr latinLnBrk="1"/>
-                      <a:r>
-                        <a:rPr lang="en-US" altLang="ko-KR" sz="1400"/>
-                        <a:t>c1</a:t>
-                      </a:r>
-                      <a:endParaRPr lang="ko-KR" altLang="en-US" sz="1400"/>
-                    </a:p>
-                  </a:txBody>
-                  <a:tcPr/>
-                </a:tc>
-                <a:tc>
-                  <a:txBody>
-                    <a:bodyPr/>
-                    <a:lstStyle/>
-                    <a:p>
-                      <a:pPr latinLnBrk="1"/>
-                      <a:r>
-                        <a:rPr lang="en-US" altLang="ko-KR" sz="1400"/>
-                        <a:t>x1</a:t>
-                      </a:r>
-                      <a:endParaRPr lang="ko-KR" altLang="en-US" sz="1400"/>
-                    </a:p>
-                  </a:txBody>
-                  <a:tcPr/>
-                </a:tc>
-                <a:tc>
-                  <a:txBody>
-                    <a:bodyPr/>
-                    <a:lstStyle/>
-                    <a:p>
-                      <a:pPr latinLnBrk="1"/>
-                      <a:r>
-                        <a:rPr lang="en-US" altLang="ko-KR" sz="1400"/>
-                        <a:t>y1</a:t>
-                      </a:r>
-                      <a:endParaRPr lang="ko-KR" altLang="en-US" sz="1400"/>
-                    </a:p>
-                  </a:txBody>
-                  <a:tcPr/>
-                </a:tc>
-                <a:tc>
-                  <a:txBody>
-                    <a:bodyPr/>
-                    <a:lstStyle/>
-                    <a:p>
-                      <a:pPr latinLnBrk="1"/>
-                      <a:r>
-                        <a:rPr lang="en-US" altLang="ko-KR" sz="1400"/>
-                        <a:t>w1</a:t>
-                      </a:r>
-                      <a:endParaRPr lang="ko-KR" altLang="en-US" sz="1400"/>
-                    </a:p>
-                  </a:txBody>
-                  <a:tcPr/>
-                </a:tc>
-                <a:tc>
-                  <a:txBody>
-                    <a:bodyPr/>
-                    <a:lstStyle/>
-                    <a:p>
-                      <a:pPr latinLnBrk="1"/>
-                      <a:r>
-                        <a:rPr lang="en-US" altLang="ko-KR" sz="1400"/>
-                        <a:t>h1</a:t>
-                      </a:r>
-                      <a:endParaRPr lang="ko-KR" altLang="en-US" sz="1400"/>
-                    </a:p>
-                  </a:txBody>
-                  <a:tcPr/>
-                </a:tc>
-                <a:tc>
-                  <a:txBody>
-                    <a:bodyPr/>
-                    <a:lstStyle/>
-                    <a:p>
-                      <a:pPr latinLnBrk="1"/>
-                      <a:r>
-                        <a:rPr lang="en-US" altLang="ko-KR" sz="1400"/>
-                        <a:t>c1</a:t>
-                      </a:r>
-                      <a:endParaRPr lang="ko-KR" altLang="en-US" sz="1400"/>
-                    </a:p>
-                  </a:txBody>
-                  <a:tcPr/>
-                </a:tc>
-                <a:tc>
-                  <a:txBody>
-                    <a:bodyPr/>
-                    <a:lstStyle/>
-                    <a:p>
-                      <a:pPr latinLnBrk="1"/>
-                      <a:r>
-                        <a:rPr lang="en-US" altLang="ko-KR" sz="1400"/>
-                        <a:t>x2</a:t>
-                      </a:r>
-                      <a:endParaRPr lang="ko-KR" altLang="en-US" sz="1400"/>
-                    </a:p>
-                  </a:txBody>
-                  <a:tcPr/>
-                </a:tc>
-                <a:tc>
-                  <a:txBody>
-                    <a:bodyPr/>
-                    <a:lstStyle/>
-                    <a:p>
-                      <a:pPr latinLnBrk="1"/>
-                      <a:r>
-                        <a:rPr lang="en-US" altLang="ko-KR" sz="1400"/>
-                        <a:t>y2</a:t>
-                      </a:r>
-                      <a:endParaRPr lang="ko-KR" altLang="en-US" sz="1400"/>
-                    </a:p>
-                  </a:txBody>
-                  <a:tcPr/>
-                </a:tc>
-                <a:tc>
-                  <a:txBody>
-                    <a:bodyPr/>
-                    <a:lstStyle/>
-                    <a:p>
-                      <a:pPr latinLnBrk="1"/>
-                      <a:r>
-                        <a:rPr lang="en-US" altLang="ko-KR" sz="1400"/>
-                        <a:t>w2</a:t>
-                      </a:r>
-                      <a:endParaRPr lang="ko-KR" altLang="en-US" sz="1400"/>
-                    </a:p>
-                  </a:txBody>
-                  <a:tcPr/>
-                </a:tc>
-                <a:tc>
-                  <a:txBody>
-                    <a:bodyPr/>
-                    <a:lstStyle/>
-                    <a:p>
-                      <a:pPr latinLnBrk="1"/>
-                      <a:r>
-                        <a:rPr lang="en-US" altLang="ko-KR" sz="1400"/>
-                        <a:t>h2</a:t>
-                      </a:r>
-                      <a:endParaRPr lang="ko-KR" altLang="en-US" sz="1400"/>
-                    </a:p>
-                  </a:txBody>
-                  <a:tcPr/>
-                </a:tc>
-                <a:extLst>
-                  <a:ext uri="{0D108BD9-81ED-4DB2-BD59-A6C34878D82A}">
-                    <a16:rowId xmlns:a16="http://schemas.microsoft.com/office/drawing/2014/main" val="3955858156"/>
-                  </a:ext>
-                </a:extLst>
-              </a:tr>
-            </a:tbl>
-          </a:graphicData>
-        </a:graphic>
-      </p:graphicFrame>
-      <p:sp>
-        <p:nvSpPr>
-          <p:cNvPr id="24" name="TextBox 23">
-            <a:extLst>
-              <a:ext uri="{FF2B5EF4-FFF2-40B4-BE49-F238E27FC236}">
-                <a16:creationId xmlns:a16="http://schemas.microsoft.com/office/drawing/2014/main" id="{07C16392-1CE8-1C66-5916-A40FB9874CEA}"/>
-              </a:ext>
-            </a:extLst>
-          </p:cNvPr>
-          <p:cNvSpPr txBox="1"/>
-          <p:nvPr/>
-        </p:nvSpPr>
-        <p:spPr>
-          <a:xfrm>
-            <a:off x="9171162" y="3533100"/>
-            <a:ext cx="443620" cy="307777"/>
-          </a:xfrm>
-          <a:prstGeom prst="rect">
-            <a:avLst/>
-          </a:prstGeom>
-          <a:noFill/>
-        </p:spPr>
-        <p:txBody>
-          <a:bodyPr wrap="square" rtlCol="0">
-            <a:spAutoFit/>
-          </a:bodyPr>
-          <a:lstStyle/>
-          <a:p>
-            <a:r>
-              <a:rPr lang="ko-KR" altLang="en-US" sz="1400"/>
-              <a:t>❓</a:t>
-            </a:r>
-          </a:p>
-        </p:txBody>
-      </p:sp>
-    </p:spTree>
-    <p:extLst>
-      <p:ext uri="{BB962C8B-B14F-4D97-AF65-F5344CB8AC3E}">
-        <p14:creationId xmlns:p14="http://schemas.microsoft.com/office/powerpoint/2010/main" val="1497496020"/>
       </p:ext>
     </p:extLst>
   </p:cSld>
